--- a/docs/images/UiComponent.pptx
+++ b/docs/images/UiComponent.pptx
@@ -214,7 +214,7 @@
           <a:p>
             <a:fld id="{DAE90588-295F-46D9-AA84-06B159A30412}" type="datetimeFigureOut">
               <a:rPr lang="en-AU" smtClean="0"/>
-              <a:t>31/01/2017</a:t>
+              <a:t>19/09/2018</a:t>
             </a:fld>
             <a:endParaRPr lang="en-AU"/>
           </a:p>
@@ -379,7 +379,7 @@
           <a:p>
             <a:fld id="{DC50A2AC-D691-437C-A69B-81ECFE08AD4B}" type="datetimeFigureOut">
               <a:rPr lang="en-SG" smtClean="0"/>
-              <a:t>31/1/2017</a:t>
+              <a:t>19/9/2018</a:t>
             </a:fld>
             <a:endParaRPr lang="en-SG"/>
           </a:p>
@@ -932,7 +932,7 @@
             <a:fld id="{1D8BD707-D9CF-40AE-B4C6-C98DA3205C09}" type="datetimeFigureOut">
               <a:rPr lang="en-US" smtClean="0"/>
               <a:pPr/>
-              <a:t>1/31/2017</a:t>
+              <a:t>9/19/2018</a:t>
             </a:fld>
             <a:endParaRPr lang="en-US"/>
           </a:p>
@@ -1139,7 +1139,7 @@
             <a:fld id="{1D8BD707-D9CF-40AE-B4C6-C98DA3205C09}" type="datetimeFigureOut">
               <a:rPr lang="en-US" smtClean="0"/>
               <a:pPr/>
-              <a:t>1/31/2017</a:t>
+              <a:t>9/19/2018</a:t>
             </a:fld>
             <a:endParaRPr lang="en-US"/>
           </a:p>
@@ -1346,7 +1346,7 @@
             <a:fld id="{1D8BD707-D9CF-40AE-B4C6-C98DA3205C09}" type="datetimeFigureOut">
               <a:rPr lang="en-US" smtClean="0"/>
               <a:pPr/>
-              <a:t>1/31/2017</a:t>
+              <a:t>9/19/2018</a:t>
             </a:fld>
             <a:endParaRPr lang="en-US"/>
           </a:p>
@@ -1553,7 +1553,7 @@
             <a:fld id="{1D8BD707-D9CF-40AE-B4C6-C98DA3205C09}" type="datetimeFigureOut">
               <a:rPr lang="en-US" smtClean="0"/>
               <a:pPr/>
-              <a:t>1/31/2017</a:t>
+              <a:t>9/19/2018</a:t>
             </a:fld>
             <a:endParaRPr lang="en-US"/>
           </a:p>
@@ -1826,7 +1826,7 @@
             <a:fld id="{1D8BD707-D9CF-40AE-B4C6-C98DA3205C09}" type="datetimeFigureOut">
               <a:rPr lang="en-US" smtClean="0"/>
               <a:pPr/>
-              <a:t>1/31/2017</a:t>
+              <a:t>9/19/2018</a:t>
             </a:fld>
             <a:endParaRPr lang="en-US"/>
           </a:p>
@@ -2149,7 +2149,7 @@
             <a:fld id="{1D8BD707-D9CF-40AE-B4C6-C98DA3205C09}" type="datetimeFigureOut">
               <a:rPr lang="en-US" smtClean="0"/>
               <a:pPr/>
-              <a:t>1/31/2017</a:t>
+              <a:t>9/19/2018</a:t>
             </a:fld>
             <a:endParaRPr lang="en-US"/>
           </a:p>
@@ -2612,7 +2612,7 @@
             <a:fld id="{1D8BD707-D9CF-40AE-B4C6-C98DA3205C09}" type="datetimeFigureOut">
               <a:rPr lang="en-US" smtClean="0"/>
               <a:pPr/>
-              <a:t>1/31/2017</a:t>
+              <a:t>9/19/2018</a:t>
             </a:fld>
             <a:endParaRPr lang="en-US"/>
           </a:p>
@@ -2759,7 +2759,7 @@
             <a:fld id="{1D8BD707-D9CF-40AE-B4C6-C98DA3205C09}" type="datetimeFigureOut">
               <a:rPr lang="en-US" smtClean="0"/>
               <a:pPr/>
-              <a:t>1/31/2017</a:t>
+              <a:t>9/19/2018</a:t>
             </a:fld>
             <a:endParaRPr lang="en-US"/>
           </a:p>
@@ -2875,7 +2875,7 @@
             <a:fld id="{1D8BD707-D9CF-40AE-B4C6-C98DA3205C09}" type="datetimeFigureOut">
               <a:rPr lang="en-US" smtClean="0"/>
               <a:pPr/>
-              <a:t>1/31/2017</a:t>
+              <a:t>9/19/2018</a:t>
             </a:fld>
             <a:endParaRPr lang="en-US"/>
           </a:p>
@@ -3182,7 +3182,7 @@
             <a:fld id="{1D8BD707-D9CF-40AE-B4C6-C98DA3205C09}" type="datetimeFigureOut">
               <a:rPr lang="en-US" smtClean="0"/>
               <a:pPr/>
-              <a:t>1/31/2017</a:t>
+              <a:t>9/19/2018</a:t>
             </a:fld>
             <a:endParaRPr lang="en-US"/>
           </a:p>
@@ -3465,7 +3465,7 @@
             <a:fld id="{1D8BD707-D9CF-40AE-B4C6-C98DA3205C09}" type="datetimeFigureOut">
               <a:rPr lang="en-US" smtClean="0"/>
               <a:pPr/>
-              <a:t>1/31/2017</a:t>
+              <a:t>9/19/2018</a:t>
             </a:fld>
             <a:endParaRPr lang="en-US"/>
           </a:p>
@@ -3773,7 +3773,7 @@
         <p:grpSpPr>
           <a:xfrm>
             <a:off x="1504438" y="5075237"/>
-            <a:ext cx="4281095" cy="2209800"/>
+            <a:ext cx="7941631" cy="2209800"/>
             <a:chOff x="-6244711" y="1678727"/>
             <a:chExt cx="7387711" cy="2677315"/>
           </a:xfrm>
@@ -3789,8 +3789,8 @@
           </p:nvSpPr>
           <p:spPr>
             <a:xfrm>
-              <a:off x="-6244711" y="1853192"/>
-              <a:ext cx="7387711" cy="2502850"/>
+              <a:off x="-6244711" y="1945511"/>
+              <a:ext cx="7387711" cy="2410531"/>
             </a:xfrm>
             <a:prstGeom prst="rect">
               <a:avLst/>
@@ -3863,8 +3863,8 @@
           </p:nvSpPr>
           <p:spPr>
             <a:xfrm>
-              <a:off x="-754876" y="1678727"/>
-              <a:ext cx="1897875" cy="174465"/>
+              <a:off x="-84704" y="1678727"/>
+              <a:ext cx="1227704" cy="252114"/>
             </a:xfrm>
             <a:prstGeom prst="rect">
               <a:avLst/>
@@ -4122,308 +4122,6 @@
               <a:avLst/>
             </a:prstGeom>
             <a:grpFill/>
-            <a:ln>
-              <a:solidFill>
-                <a:schemeClr val="accent1">
-                  <a:lumMod val="75000"/>
-                </a:schemeClr>
-              </a:solidFill>
-            </a:ln>
-          </p:spPr>
-          <p:style>
-            <a:lnRef idx="2">
-              <a:schemeClr val="accent1">
-                <a:shade val="50000"/>
-              </a:schemeClr>
-            </a:lnRef>
-            <a:fillRef idx="1">
-              <a:schemeClr val="accent1"/>
-            </a:fillRef>
-            <a:effectRef idx="0">
-              <a:schemeClr val="accent1"/>
-            </a:effectRef>
-            <a:fontRef idx="minor">
-              <a:schemeClr val="lt1"/>
-            </a:fontRef>
-          </p:style>
-          <p:txBody>
-            <a:bodyPr rtlCol="0" anchor="t" anchorCtr="0"/>
-            <a:lstStyle/>
-            <a:p>
-              <a:endParaRPr lang="en-SG" sz="1400" b="1">
-                <a:solidFill>
-                  <a:schemeClr val="accent1">
-                    <a:lumMod val="75000"/>
-                  </a:schemeClr>
-                </a:solidFill>
-              </a:endParaRPr>
-            </a:p>
-          </p:txBody>
-        </p:sp>
-      </p:grpSp>
-      <p:grpSp>
-        <p:nvGrpSpPr>
-          <p:cNvPr id="2" name="Group 1"/>
-          <p:cNvGrpSpPr/>
-          <p:nvPr userDrawn="1"/>
-        </p:nvGrpSpPr>
-        <p:grpSpPr>
-          <a:xfrm>
-            <a:off x="5928704" y="5075237"/>
-            <a:ext cx="3544192" cy="1066800"/>
-            <a:chOff x="5576821" y="5075237"/>
-            <a:chExt cx="3480396" cy="1066800"/>
-          </a:xfrm>
-        </p:grpSpPr>
-        <p:sp>
-          <p:nvSpPr>
-            <p:cNvPr id="22" name="Rectangle 21"/>
-            <p:cNvSpPr/>
-            <p:nvPr/>
-          </p:nvSpPr>
-          <p:spPr>
-            <a:xfrm>
-              <a:off x="5576821" y="5075237"/>
-              <a:ext cx="3316931" cy="1066800"/>
-            </a:xfrm>
-            <a:prstGeom prst="rect">
-              <a:avLst/>
-            </a:prstGeom>
-            <a:solidFill>
-              <a:schemeClr val="bg1"/>
-            </a:solidFill>
-            <a:ln>
-              <a:solidFill>
-                <a:schemeClr val="accent1">
-                  <a:lumMod val="75000"/>
-                </a:schemeClr>
-              </a:solidFill>
-            </a:ln>
-          </p:spPr>
-          <p:style>
-            <a:lnRef idx="2">
-              <a:schemeClr val="accent1">
-                <a:shade val="50000"/>
-              </a:schemeClr>
-            </a:lnRef>
-            <a:fillRef idx="1">
-              <a:schemeClr val="accent1"/>
-            </a:fillRef>
-            <a:effectRef idx="0">
-              <a:schemeClr val="accent1"/>
-            </a:effectRef>
-            <a:fontRef idx="minor">
-              <a:schemeClr val="lt1"/>
-            </a:fontRef>
-          </p:style>
-          <p:txBody>
-            <a:bodyPr rtlCol="0" anchor="t" anchorCtr="0"/>
-            <a:lstStyle/>
-            <a:p>
-              <a:pPr algn="r"/>
-              <a:r>
-                <a:rPr lang="en-US" sz="1400" b="1" dirty="0" err="1" smtClean="0">
-                  <a:solidFill>
-                    <a:schemeClr val="accent1">
-                      <a:lumMod val="75000"/>
-                    </a:schemeClr>
-                  </a:solidFill>
-                </a:rPr>
-                <a:t>ui</a:t>
-              </a:r>
-              <a:r>
-                <a:rPr lang="en-US" sz="1400" b="1" dirty="0" smtClean="0">
-                  <a:solidFill>
-                    <a:schemeClr val="accent1">
-                      <a:lumMod val="75000"/>
-                    </a:schemeClr>
-                  </a:solidFill>
-                </a:rPr>
-                <a:t>::</a:t>
-              </a:r>
-              <a:r>
-                <a:rPr lang="en-US" sz="1400" b="1" dirty="0" err="1" smtClean="0">
-                  <a:solidFill>
-                    <a:schemeClr val="accent1">
-                      <a:lumMod val="75000"/>
-                    </a:schemeClr>
-                  </a:solidFill>
-                </a:rPr>
-                <a:t>pagedata</a:t>
-              </a:r>
-              <a:endParaRPr lang="en-SG" sz="1400" b="1" dirty="0">
-                <a:solidFill>
-                  <a:schemeClr val="accent1">
-                    <a:lumMod val="75000"/>
-                  </a:schemeClr>
-                </a:solidFill>
-              </a:endParaRPr>
-            </a:p>
-          </p:txBody>
-        </p:sp>
-        <p:sp>
-          <p:nvSpPr>
-            <p:cNvPr id="25" name="Rectangle 24"/>
-            <p:cNvSpPr/>
-            <p:nvPr userDrawn="1"/>
-          </p:nvSpPr>
-          <p:spPr>
-            <a:xfrm>
-              <a:off x="8902345" y="5075237"/>
-              <a:ext cx="154872" cy="792000"/>
-            </a:xfrm>
-            <a:prstGeom prst="rect">
-              <a:avLst/>
-            </a:prstGeom>
-            <a:solidFill>
-              <a:schemeClr val="bg1"/>
-            </a:solidFill>
-            <a:ln>
-              <a:solidFill>
-                <a:schemeClr val="accent1">
-                  <a:lumMod val="75000"/>
-                </a:schemeClr>
-              </a:solidFill>
-            </a:ln>
-          </p:spPr>
-          <p:style>
-            <a:lnRef idx="2">
-              <a:schemeClr val="accent1">
-                <a:shade val="50000"/>
-              </a:schemeClr>
-            </a:lnRef>
-            <a:fillRef idx="1">
-              <a:schemeClr val="accent1"/>
-            </a:fillRef>
-            <a:effectRef idx="0">
-              <a:schemeClr val="accent1"/>
-            </a:effectRef>
-            <a:fontRef idx="minor">
-              <a:schemeClr val="lt1"/>
-            </a:fontRef>
-          </p:style>
-          <p:txBody>
-            <a:bodyPr rtlCol="0" anchor="t" anchorCtr="0"/>
-            <a:lstStyle/>
-            <a:p>
-              <a:endParaRPr lang="en-SG" sz="1400" b="1">
-                <a:solidFill>
-                  <a:schemeClr val="accent1">
-                    <a:lumMod val="75000"/>
-                  </a:schemeClr>
-                </a:solidFill>
-              </a:endParaRPr>
-            </a:p>
-          </p:txBody>
-        </p:sp>
-      </p:grpSp>
-      <p:grpSp>
-        <p:nvGrpSpPr>
-          <p:cNvPr id="3" name="Group 2"/>
-          <p:cNvGrpSpPr/>
-          <p:nvPr userDrawn="1"/>
-        </p:nvGrpSpPr>
-        <p:grpSpPr>
-          <a:xfrm>
-            <a:off x="5928843" y="6238070"/>
-            <a:ext cx="3542435" cy="1066800"/>
-            <a:chOff x="5667105" y="6238070"/>
-            <a:chExt cx="3478669" cy="1066800"/>
-          </a:xfrm>
-        </p:grpSpPr>
-        <p:sp>
-          <p:nvSpPr>
-            <p:cNvPr id="24" name="Rectangle 23"/>
-            <p:cNvSpPr/>
-            <p:nvPr userDrawn="1"/>
-          </p:nvSpPr>
-          <p:spPr>
-            <a:xfrm>
-              <a:off x="5667105" y="6238070"/>
-              <a:ext cx="3316931" cy="1066800"/>
-            </a:xfrm>
-            <a:prstGeom prst="rect">
-              <a:avLst/>
-            </a:prstGeom>
-            <a:solidFill>
-              <a:schemeClr val="bg1"/>
-            </a:solidFill>
-            <a:ln>
-              <a:solidFill>
-                <a:schemeClr val="accent1">
-                  <a:lumMod val="75000"/>
-                </a:schemeClr>
-              </a:solidFill>
-            </a:ln>
-          </p:spPr>
-          <p:style>
-            <a:lnRef idx="2">
-              <a:schemeClr val="accent1">
-                <a:shade val="50000"/>
-              </a:schemeClr>
-            </a:lnRef>
-            <a:fillRef idx="1">
-              <a:schemeClr val="accent1"/>
-            </a:fillRef>
-            <a:effectRef idx="0">
-              <a:schemeClr val="accent1"/>
-            </a:effectRef>
-            <a:fontRef idx="minor">
-              <a:schemeClr val="lt1"/>
-            </a:fontRef>
-          </p:style>
-          <p:txBody>
-            <a:bodyPr rtlCol="0" anchor="t" anchorCtr="0"/>
-            <a:lstStyle/>
-            <a:p>
-              <a:pPr algn="r"/>
-              <a:r>
-                <a:rPr lang="en-US" sz="1400" b="1" dirty="0" err="1" smtClean="0">
-                  <a:solidFill>
-                    <a:schemeClr val="accent1">
-                      <a:lumMod val="75000"/>
-                    </a:schemeClr>
-                  </a:solidFill>
-                </a:rPr>
-                <a:t>ui</a:t>
-              </a:r>
-              <a:r>
-                <a:rPr lang="en-US" sz="1400" b="1" dirty="0" smtClean="0">
-                  <a:solidFill>
-                    <a:schemeClr val="accent1">
-                      <a:lumMod val="75000"/>
-                    </a:schemeClr>
-                  </a:solidFill>
-                </a:rPr>
-                <a:t>::template</a:t>
-              </a:r>
-              <a:endParaRPr lang="en-SG" sz="1400" b="1" dirty="0">
-                <a:solidFill>
-                  <a:schemeClr val="accent1">
-                    <a:lumMod val="75000"/>
-                  </a:schemeClr>
-                </a:solidFill>
-              </a:endParaRPr>
-            </a:p>
-          </p:txBody>
-        </p:sp>
-        <p:sp>
-          <p:nvSpPr>
-            <p:cNvPr id="26" name="Rectangle 25"/>
-            <p:cNvSpPr/>
-            <p:nvPr userDrawn="1"/>
-          </p:nvSpPr>
-          <p:spPr>
-            <a:xfrm>
-              <a:off x="8990902" y="6238070"/>
-              <a:ext cx="154872" cy="792000"/>
-            </a:xfrm>
-            <a:prstGeom prst="rect">
-              <a:avLst/>
-            </a:prstGeom>
-            <a:solidFill>
-              <a:schemeClr val="bg1"/>
-            </a:solidFill>
             <a:ln>
               <a:solidFill>
                 <a:schemeClr val="accent1">
@@ -5397,152 +5095,13 @@
           <a:p>
             <a:pPr algn="ctr"/>
             <a:r>
-              <a:rPr lang="en-US" sz="1600" b="1" dirty="0" err="1"/>
-              <a:t>ControllerServlet</a:t>
+              <a:rPr lang="en-US" sz="1600" b="1" dirty="0" err="1" smtClean="0"/>
+              <a:t>WebApiServlet</a:t>
             </a:r>
             <a:endParaRPr lang="en-SG" sz="1600" b="1" dirty="0"/>
           </a:p>
         </p:txBody>
       </p:sp>
-      <p:grpSp>
-        <p:nvGrpSpPr>
-          <p:cNvPr id="99" name="Group 98"/>
-          <p:cNvGrpSpPr/>
-          <p:nvPr/>
-        </p:nvGrpSpPr>
-        <p:grpSpPr>
-          <a:xfrm>
-            <a:off x="1763399" y="3627437"/>
-            <a:ext cx="1551301" cy="531646"/>
-            <a:chOff x="1535112" y="3948357"/>
-            <a:chExt cx="1551301" cy="531646"/>
-          </a:xfrm>
-        </p:grpSpPr>
-        <p:sp>
-          <p:nvSpPr>
-            <p:cNvPr id="100" name="Rectangle 99"/>
-            <p:cNvSpPr/>
-            <p:nvPr/>
-          </p:nvSpPr>
-          <p:spPr>
-            <a:xfrm>
-              <a:off x="1535112" y="3948357"/>
-              <a:ext cx="1398903" cy="377438"/>
-            </a:xfrm>
-            <a:prstGeom prst="rect">
-              <a:avLst/>
-            </a:prstGeom>
-          </p:spPr>
-          <p:style>
-            <a:lnRef idx="2">
-              <a:schemeClr val="accent1">
-                <a:shade val="50000"/>
-              </a:schemeClr>
-            </a:lnRef>
-            <a:fillRef idx="1">
-              <a:schemeClr val="accent1"/>
-            </a:fillRef>
-            <a:effectRef idx="0">
-              <a:schemeClr val="accent1"/>
-            </a:effectRef>
-            <a:fontRef idx="minor">
-              <a:schemeClr val="lt1"/>
-            </a:fontRef>
-          </p:style>
-          <p:txBody>
-            <a:bodyPr rtlCol="0" anchor="ctr"/>
-            <a:lstStyle/>
-            <a:p>
-              <a:pPr algn="ctr"/>
-              <a:endParaRPr lang="en-SG" sz="1600" b="1" dirty="0"/>
-            </a:p>
-          </p:txBody>
-        </p:sp>
-        <p:sp>
-          <p:nvSpPr>
-            <p:cNvPr id="101" name="Rectangle 100"/>
-            <p:cNvSpPr/>
-            <p:nvPr/>
-          </p:nvSpPr>
-          <p:spPr>
-            <a:xfrm>
-              <a:off x="1611311" y="4020049"/>
-              <a:ext cx="1398903" cy="377438"/>
-            </a:xfrm>
-            <a:prstGeom prst="rect">
-              <a:avLst/>
-            </a:prstGeom>
-          </p:spPr>
-          <p:style>
-            <a:lnRef idx="2">
-              <a:schemeClr val="accent1">
-                <a:shade val="50000"/>
-              </a:schemeClr>
-            </a:lnRef>
-            <a:fillRef idx="1">
-              <a:schemeClr val="accent1"/>
-            </a:fillRef>
-            <a:effectRef idx="0">
-              <a:schemeClr val="accent1"/>
-            </a:effectRef>
-            <a:fontRef idx="minor">
-              <a:schemeClr val="lt1"/>
-            </a:fontRef>
-          </p:style>
-          <p:txBody>
-            <a:bodyPr rtlCol="0" anchor="ctr"/>
-            <a:lstStyle/>
-            <a:p>
-              <a:pPr algn="ctr"/>
-              <a:endParaRPr lang="en-SG" sz="1600" b="1" dirty="0"/>
-            </a:p>
-          </p:txBody>
-        </p:sp>
-        <p:sp>
-          <p:nvSpPr>
-            <p:cNvPr id="102" name="Rectangle 101"/>
-            <p:cNvSpPr/>
-            <p:nvPr/>
-          </p:nvSpPr>
-          <p:spPr>
-            <a:xfrm>
-              <a:off x="1687510" y="4102565"/>
-              <a:ext cx="1398903" cy="377438"/>
-            </a:xfrm>
-            <a:prstGeom prst="rect">
-              <a:avLst/>
-            </a:prstGeom>
-          </p:spPr>
-          <p:style>
-            <a:lnRef idx="2">
-              <a:schemeClr val="accent1">
-                <a:shade val="50000"/>
-              </a:schemeClr>
-            </a:lnRef>
-            <a:fillRef idx="1">
-              <a:schemeClr val="accent1"/>
-            </a:fillRef>
-            <a:effectRef idx="0">
-              <a:schemeClr val="accent1"/>
-            </a:effectRef>
-            <a:fontRef idx="minor">
-              <a:schemeClr val="lt1"/>
-            </a:fontRef>
-          </p:style>
-          <p:txBody>
-            <a:bodyPr rtlCol="0" anchor="ctr"/>
-            <a:lstStyle/>
-            <a:p>
-              <a:pPr algn="ctr"/>
-              <a:r>
-                <a:rPr lang="en-US" sz="1600" b="1" dirty="0"/>
-                <a:t>*Servlet</a:t>
-              </a:r>
-              <a:endParaRPr lang="en-SG" sz="1600" b="1" dirty="0"/>
-            </a:p>
-          </p:txBody>
-        </p:sp>
-      </p:grpSp>
       <p:cxnSp>
         <p:nvCxnSpPr>
           <p:cNvPr id="103" name="Elbow Connector 102"/>
@@ -5595,18 +5154,113 @@
         </p:nvSpPr>
         <p:spPr>
           <a:xfrm>
-            <a:off x="5303929" y="3079573"/>
+            <a:off x="5295900" y="3079573"/>
             <a:ext cx="2163078" cy="360000"/>
           </a:xfrm>
           <a:prstGeom prst="rect">
             <a:avLst/>
           </a:prstGeom>
+          <a:ln/>
+        </p:spPr>
+        <p:style>
+          <a:lnRef idx="2">
+            <a:schemeClr val="accent3">
+              <a:shade val="50000"/>
+            </a:schemeClr>
+          </a:lnRef>
+          <a:fillRef idx="1">
+            <a:schemeClr val="accent3"/>
+          </a:fillRef>
+          <a:effectRef idx="0">
+            <a:schemeClr val="accent3"/>
+          </a:effectRef>
+          <a:fontRef idx="minor">
+            <a:schemeClr val="lt1"/>
+          </a:fontRef>
+        </p:style>
+        <p:txBody>
+          <a:bodyPr rtlCol="0" anchor="ctr"/>
+          <a:lstStyle/>
+          <a:p>
+            <a:pPr algn="ctr"/>
+            <a:r>
+              <a:rPr lang="en-US" sz="1600" b="1" dirty="0" err="1"/>
+              <a:t>ActionResult</a:t>
+            </a:r>
+            <a:endParaRPr lang="en-SG" sz="1600" b="1" dirty="0"/>
+          </a:p>
+        </p:txBody>
+      </p:sp>
+      <p:sp>
+        <p:nvSpPr>
+          <p:cNvPr id="105" name="Rectangle 104"/>
+          <p:cNvSpPr/>
+          <p:nvPr/>
+        </p:nvSpPr>
+        <p:spPr>
+          <a:xfrm>
+            <a:off x="6914877" y="4316211"/>
+            <a:ext cx="1980000" cy="360000"/>
+          </a:xfrm>
+          <a:prstGeom prst="rect">
+            <a:avLst/>
+          </a:prstGeom>
+          <a:ln/>
+        </p:spPr>
+        <p:style>
+          <a:lnRef idx="2">
+            <a:schemeClr val="accent3">
+              <a:shade val="50000"/>
+            </a:schemeClr>
+          </a:lnRef>
+          <a:fillRef idx="1">
+            <a:schemeClr val="accent3"/>
+          </a:fillRef>
+          <a:effectRef idx="0">
+            <a:schemeClr val="accent3"/>
+          </a:effectRef>
+          <a:fontRef idx="minor">
+            <a:schemeClr val="lt1"/>
+          </a:fontRef>
+        </p:style>
+        <p:txBody>
+          <a:bodyPr rtlCol="0" anchor="ctr"/>
+          <a:lstStyle/>
+          <a:p>
+            <a:pPr algn="ctr"/>
+            <a:r>
+              <a:rPr lang="en-US" sz="1600" b="1" dirty="0" err="1" smtClean="0"/>
+              <a:t>FileDownloadResult</a:t>
+            </a:r>
+            <a:endParaRPr lang="en-SG" sz="1600" b="1" dirty="0"/>
+          </a:p>
+        </p:txBody>
+      </p:sp>
+      <p:sp>
+        <p:nvSpPr>
+          <p:cNvPr id="106" name="Isosceles Triangle 105"/>
+          <p:cNvSpPr/>
+          <p:nvPr/>
+        </p:nvSpPr>
+        <p:spPr>
+          <a:xfrm>
+            <a:off x="6273526" y="3449267"/>
+            <a:ext cx="216000" cy="216000"/>
+          </a:xfrm>
+          <a:prstGeom prst="triangle">
+            <a:avLst/>
+          </a:prstGeom>
           <a:solidFill>
-            <a:srgbClr val="92D050"/>
+            <a:schemeClr val="accent3">
+              <a:lumMod val="60000"/>
+              <a:lumOff val="40000"/>
+            </a:schemeClr>
           </a:solidFill>
           <a:ln>
             <a:solidFill>
-              <a:srgbClr val="00B050"/>
+              <a:schemeClr val="accent3">
+                <a:lumMod val="75000"/>
+              </a:schemeClr>
             </a:solidFill>
           </a:ln>
         </p:spPr>
@@ -5631,110 +5285,6 @@
           <a:lstStyle/>
           <a:p>
             <a:pPr algn="ctr"/>
-            <a:r>
-              <a:rPr lang="en-US" sz="1600" b="1" dirty="0" err="1"/>
-              <a:t>ActionResult</a:t>
-            </a:r>
-            <a:endParaRPr lang="en-SG" sz="1600" b="1" dirty="0"/>
-          </a:p>
-        </p:txBody>
-      </p:sp>
-      <p:sp>
-        <p:nvSpPr>
-          <p:cNvPr id="105" name="Rectangle 104"/>
-          <p:cNvSpPr/>
-          <p:nvPr/>
-        </p:nvSpPr>
-        <p:spPr>
-          <a:xfrm>
-            <a:off x="7238407" y="4316211"/>
-            <a:ext cx="1980000" cy="360000"/>
-          </a:xfrm>
-          <a:prstGeom prst="rect">
-            <a:avLst/>
-          </a:prstGeom>
-          <a:solidFill>
-            <a:srgbClr val="92D050"/>
-          </a:solidFill>
-          <a:ln>
-            <a:solidFill>
-              <a:srgbClr val="00B050"/>
-            </a:solidFill>
-          </a:ln>
-        </p:spPr>
-        <p:style>
-          <a:lnRef idx="2">
-            <a:schemeClr val="accent6">
-              <a:shade val="50000"/>
-            </a:schemeClr>
-          </a:lnRef>
-          <a:fillRef idx="1">
-            <a:schemeClr val="accent6"/>
-          </a:fillRef>
-          <a:effectRef idx="0">
-            <a:schemeClr val="accent6"/>
-          </a:effectRef>
-          <a:fontRef idx="minor">
-            <a:schemeClr val="lt1"/>
-          </a:fontRef>
-        </p:style>
-        <p:txBody>
-          <a:bodyPr rtlCol="0" anchor="ctr"/>
-          <a:lstStyle/>
-          <a:p>
-            <a:pPr algn="ctr"/>
-            <a:r>
-              <a:rPr lang="en-US" sz="1600" b="1" dirty="0" err="1"/>
-              <a:t>ShowPageResult</a:t>
-            </a:r>
-            <a:endParaRPr lang="en-SG" sz="1600" b="1" dirty="0"/>
-          </a:p>
-        </p:txBody>
-      </p:sp>
-      <p:sp>
-        <p:nvSpPr>
-          <p:cNvPr id="106" name="Isosceles Triangle 105"/>
-          <p:cNvSpPr/>
-          <p:nvPr/>
-        </p:nvSpPr>
-        <p:spPr>
-          <a:xfrm>
-            <a:off x="6412807" y="3449397"/>
-            <a:ext cx="216000" cy="216000"/>
-          </a:xfrm>
-          <a:prstGeom prst="triangle">
-            <a:avLst/>
-          </a:prstGeom>
-          <a:solidFill>
-            <a:srgbClr val="92D050"/>
-          </a:solidFill>
-          <a:ln>
-            <a:solidFill>
-              <a:srgbClr val="00B050"/>
-            </a:solidFill>
-          </a:ln>
-        </p:spPr>
-        <p:style>
-          <a:lnRef idx="2">
-            <a:schemeClr val="accent6">
-              <a:shade val="50000"/>
-            </a:schemeClr>
-          </a:lnRef>
-          <a:fillRef idx="1">
-            <a:schemeClr val="accent6"/>
-          </a:fillRef>
-          <a:effectRef idx="0">
-            <a:schemeClr val="accent6"/>
-          </a:effectRef>
-          <a:fontRef idx="minor">
-            <a:schemeClr val="lt1"/>
-          </a:fontRef>
-        </p:style>
-        <p:txBody>
-          <a:bodyPr rtlCol="0" anchor="ctr"/>
-          <a:lstStyle/>
-          <a:p>
-            <a:pPr algn="ctr"/>
             <a:endParaRPr lang="en-SG" sz="1600" b="1"/>
           </a:p>
         </p:txBody>
@@ -5750,8 +5300,8 @@
         </p:nvCxnSpPr>
         <p:spPr>
           <a:xfrm rot="16200000" flipH="1">
-            <a:off x="6464200" y="3722004"/>
-            <a:ext cx="830814" cy="717600"/>
+            <a:off x="6232729" y="3814063"/>
+            <a:ext cx="830944" cy="533351"/>
           </a:xfrm>
           <a:prstGeom prst="bentConnector2">
             <a:avLst/>
@@ -5761,7 +5311,9 @@
           </a:solidFill>
           <a:ln>
             <a:solidFill>
-              <a:srgbClr val="00B050"/>
+              <a:schemeClr val="accent3">
+                <a:lumMod val="75000"/>
+              </a:schemeClr>
             </a:solidFill>
           </a:ln>
         </p:spPr>
@@ -5790,32 +5342,25 @@
         </p:nvSpPr>
         <p:spPr>
           <a:xfrm>
-            <a:off x="7230737" y="3773119"/>
+            <a:off x="6907207" y="3773119"/>
             <a:ext cx="1980000" cy="360000"/>
           </a:xfrm>
           <a:prstGeom prst="rect">
             <a:avLst/>
           </a:prstGeom>
-          <a:solidFill>
-            <a:srgbClr val="92D050"/>
-          </a:solidFill>
-          <a:ln>
-            <a:solidFill>
-              <a:srgbClr val="00B050"/>
-            </a:solidFill>
-          </a:ln>
+          <a:ln/>
         </p:spPr>
         <p:style>
           <a:lnRef idx="2">
-            <a:schemeClr val="accent6">
+            <a:schemeClr val="accent3">
               <a:shade val="50000"/>
             </a:schemeClr>
           </a:lnRef>
           <a:fillRef idx="1">
-            <a:schemeClr val="accent6"/>
+            <a:schemeClr val="accent3"/>
           </a:fillRef>
           <a:effectRef idx="0">
-            <a:schemeClr val="accent6"/>
+            <a:schemeClr val="accent3"/>
           </a:effectRef>
           <a:fontRef idx="minor">
             <a:schemeClr val="lt1"/>
@@ -5845,8 +5390,8 @@
         </p:nvCxnSpPr>
         <p:spPr>
           <a:xfrm rot="16200000" flipH="1">
-            <a:off x="6731911" y="3454293"/>
-            <a:ext cx="287722" cy="709930"/>
+            <a:off x="6500440" y="3546352"/>
+            <a:ext cx="287852" cy="525681"/>
           </a:xfrm>
           <a:prstGeom prst="bentConnector2">
             <a:avLst/>
@@ -5856,7 +5401,9 @@
           </a:solidFill>
           <a:ln>
             <a:solidFill>
-              <a:srgbClr val="00B050"/>
+              <a:schemeClr val="accent3">
+                <a:lumMod val="75000"/>
+              </a:schemeClr>
             </a:solidFill>
           </a:ln>
         </p:spPr>
@@ -6303,8 +5850,8 @@
         </p:nvCxnSpPr>
         <p:spPr>
           <a:xfrm rot="16200000" flipH="1">
-            <a:off x="3840895" y="1796539"/>
-            <a:ext cx="412162" cy="2513906"/>
+            <a:off x="3836880" y="1800553"/>
+            <a:ext cx="412162" cy="2505877"/>
           </a:xfrm>
           <a:prstGeom prst="bentConnector2">
             <a:avLst/>
@@ -6388,8 +5935,8 @@
         </p:nvCxnSpPr>
         <p:spPr>
           <a:xfrm rot="5400000">
-            <a:off x="7518603" y="2790969"/>
-            <a:ext cx="417008" cy="520200"/>
+            <a:off x="7514589" y="2786955"/>
+            <a:ext cx="417008" cy="528229"/>
           </a:xfrm>
           <a:prstGeom prst="bentConnector2">
             <a:avLst/>
@@ -6553,32 +6100,25 @@
         </p:nvSpPr>
         <p:spPr>
           <a:xfrm>
-            <a:off x="3746839" y="4317601"/>
-            <a:ext cx="1980000" cy="360000"/>
-          </a:xfrm>
-          <a:prstGeom prst="rect">
-            <a:avLst/>
-          </a:prstGeom>
-          <a:solidFill>
-            <a:srgbClr val="92D050"/>
-          </a:solidFill>
-          <a:ln>
-            <a:solidFill>
-              <a:srgbClr val="00B050"/>
-            </a:solidFill>
-          </a:ln>
+            <a:off x="4312970" y="4317601"/>
+            <a:ext cx="1517851" cy="358610"/>
+          </a:xfrm>
+          <a:prstGeom prst="rect">
+            <a:avLst/>
+          </a:prstGeom>
+          <a:ln/>
         </p:spPr>
         <p:style>
           <a:lnRef idx="2">
-            <a:schemeClr val="accent6">
+            <a:schemeClr val="accent3">
               <a:shade val="50000"/>
             </a:schemeClr>
           </a:lnRef>
           <a:fillRef idx="1">
-            <a:schemeClr val="accent6"/>
+            <a:schemeClr val="accent3"/>
           </a:fillRef>
           <a:effectRef idx="0">
-            <a:schemeClr val="accent6"/>
+            <a:schemeClr val="accent3"/>
           </a:effectRef>
           <a:fontRef idx="minor">
             <a:schemeClr val="lt1"/>
@@ -6590,8 +6130,8 @@
           <a:p>
             <a:pPr algn="ctr"/>
             <a:r>
-              <a:rPr lang="en-US" sz="1600" b="1" dirty="0" err="1"/>
-              <a:t>AjaxResult</a:t>
+              <a:rPr lang="en-US" sz="1600" b="1" dirty="0" err="1" smtClean="0"/>
+              <a:t>ImageResult</a:t>
             </a:r>
             <a:endParaRPr lang="en-SG" sz="1600" b="1" dirty="0"/>
           </a:p>
@@ -6605,32 +6145,25 @@
         </p:nvSpPr>
         <p:spPr>
           <a:xfrm>
-            <a:off x="3739169" y="3774509"/>
-            <a:ext cx="1980000" cy="360000"/>
-          </a:xfrm>
-          <a:prstGeom prst="rect">
-            <a:avLst/>
-          </a:prstGeom>
-          <a:solidFill>
-            <a:srgbClr val="92D050"/>
-          </a:solidFill>
-          <a:ln>
-            <a:solidFill>
-              <a:srgbClr val="00B050"/>
-            </a:solidFill>
-          </a:ln>
+            <a:off x="4305300" y="3774509"/>
+            <a:ext cx="1517851" cy="358610"/>
+          </a:xfrm>
+          <a:prstGeom prst="rect">
+            <a:avLst/>
+          </a:prstGeom>
+          <a:ln/>
         </p:spPr>
         <p:style>
           <a:lnRef idx="2">
-            <a:schemeClr val="accent6">
+            <a:schemeClr val="accent3">
               <a:shade val="50000"/>
             </a:schemeClr>
           </a:lnRef>
           <a:fillRef idx="1">
-            <a:schemeClr val="accent6"/>
+            <a:schemeClr val="accent3"/>
           </a:fillRef>
           <a:effectRef idx="0">
-            <a:schemeClr val="accent6"/>
+            <a:schemeClr val="accent3"/>
           </a:effectRef>
           <a:fontRef idx="minor">
             <a:schemeClr val="lt1"/>
@@ -6642,8 +6175,8 @@
           <a:p>
             <a:pPr algn="ctr"/>
             <a:r>
-              <a:rPr lang="en-US" sz="1600" b="1" dirty="0" err="1"/>
-              <a:t>RedirectResult</a:t>
+              <a:rPr lang="en-US" sz="1600" b="1" dirty="0" err="1" smtClean="0"/>
+              <a:t>JsonResult</a:t>
             </a:r>
             <a:endParaRPr lang="en-SG" sz="1600" b="1" dirty="0"/>
           </a:p>
@@ -6660,8 +6193,8 @@
         </p:nvCxnSpPr>
         <p:spPr>
           <a:xfrm rot="5400000">
-            <a:off x="5975432" y="3409134"/>
-            <a:ext cx="289112" cy="801638"/>
+            <a:off x="5958066" y="3530353"/>
+            <a:ext cx="288547" cy="558375"/>
           </a:xfrm>
           <a:prstGeom prst="bentConnector2">
             <a:avLst/>
@@ -6671,7 +6204,9 @@
           </a:solidFill>
           <a:ln>
             <a:solidFill>
-              <a:srgbClr val="00B050"/>
+              <a:schemeClr val="accent3">
+                <a:lumMod val="75000"/>
+              </a:schemeClr>
             </a:solidFill>
           </a:ln>
         </p:spPr>
@@ -6703,8 +6238,8 @@
         </p:nvCxnSpPr>
         <p:spPr>
           <a:xfrm rot="5400000">
-            <a:off x="5707721" y="3684515"/>
-            <a:ext cx="832204" cy="793968"/>
+            <a:off x="5690355" y="3805734"/>
+            <a:ext cx="831639" cy="550705"/>
           </a:xfrm>
           <a:prstGeom prst="bentConnector2">
             <a:avLst/>
@@ -6714,7 +6249,9 @@
           </a:solidFill>
           <a:ln>
             <a:solidFill>
-              <a:srgbClr val="00B050"/>
+              <a:schemeClr val="accent3">
+                <a:lumMod val="75000"/>
+              </a:schemeClr>
             </a:solidFill>
           </a:ln>
         </p:spPr>
@@ -6737,38 +6274,42 @@
       </p:cxnSp>
       <p:sp>
         <p:nvSpPr>
-          <p:cNvPr id="130" name="Diamond 129"/>
+          <p:cNvPr id="162" name="Rectangle 161"/>
           <p:cNvSpPr/>
           <p:nvPr/>
         </p:nvSpPr>
         <p:spPr>
           <a:xfrm>
-            <a:off x="8013007" y="4694812"/>
-            <a:ext cx="216000" cy="216000"/>
-          </a:xfrm>
-          <a:prstGeom prst="diamond">
+            <a:off x="342897" y="5151437"/>
+            <a:ext cx="875710" cy="2035968"/>
+          </a:xfrm>
+          <a:prstGeom prst="rect">
             <a:avLst/>
           </a:prstGeom>
           <a:solidFill>
-            <a:srgbClr val="92D050"/>
+            <a:schemeClr val="bg1">
+              <a:lumMod val="85000"/>
+            </a:schemeClr>
           </a:solidFill>
           <a:ln>
             <a:solidFill>
-              <a:srgbClr val="00B050"/>
+              <a:schemeClr val="bg1">
+                <a:lumMod val="65000"/>
+              </a:schemeClr>
             </a:solidFill>
           </a:ln>
         </p:spPr>
         <p:style>
           <a:lnRef idx="2">
-            <a:schemeClr val="accent6">
+            <a:schemeClr val="accent1">
               <a:shade val="50000"/>
             </a:schemeClr>
           </a:lnRef>
           <a:fillRef idx="1">
-            <a:schemeClr val="accent6"/>
+            <a:schemeClr val="accent1"/>
           </a:fillRef>
           <a:effectRef idx="0">
-            <a:schemeClr val="accent6"/>
+            <a:schemeClr val="accent1"/>
           </a:effectRef>
           <a:fontRef idx="minor">
             <a:schemeClr val="lt1"/>
@@ -6779,25 +6320,155 @@
           <a:lstStyle/>
           <a:p>
             <a:pPr algn="ctr"/>
-            <a:endParaRPr lang="en-SG" sz="1600" b="1"/>
-          </a:p>
-        </p:txBody>
-      </p:sp>
-      <p:sp>
-        <p:nvSpPr>
-          <p:cNvPr id="131" name="Rectangle 130"/>
+            <a:endParaRPr lang="en-SG"/>
+          </a:p>
+        </p:txBody>
+      </p:sp>
+      <p:sp>
+        <p:nvSpPr>
+          <p:cNvPr id="163" name="TextBox 162"/>
+          <p:cNvSpPr txBox="1"/>
+          <p:nvPr/>
+        </p:nvSpPr>
+        <p:spPr>
+          <a:xfrm>
+            <a:off x="266700" y="5185570"/>
+            <a:ext cx="937901" cy="307777"/>
+          </a:xfrm>
+          <a:prstGeom prst="rect">
+            <a:avLst/>
+          </a:prstGeom>
+          <a:grpFill/>
+          <a:ln>
+            <a:noFill/>
+          </a:ln>
+        </p:spPr>
+        <p:style>
+          <a:lnRef idx="2">
+            <a:schemeClr val="accent1">
+              <a:shade val="50000"/>
+            </a:schemeClr>
+          </a:lnRef>
+          <a:fillRef idx="1">
+            <a:schemeClr val="accent1"/>
+          </a:fillRef>
+          <a:effectRef idx="0">
+            <a:schemeClr val="accent1"/>
+          </a:effectRef>
+          <a:fontRef idx="minor">
+            <a:schemeClr val="lt1"/>
+          </a:fontRef>
+        </p:style>
+        <p:txBody>
+          <a:bodyPr rtlCol="0" anchor="t" anchorCtr="0"/>
+          <a:lstStyle>
+            <a:defPPr>
+              <a:defRPr lang="en-US"/>
+            </a:defPPr>
+            <a:lvl1pPr>
+              <a:defRPr sz="1400" b="1">
+                <a:solidFill>
+                  <a:srgbClr val="7030A0"/>
+                </a:solidFill>
+              </a:defRPr>
+            </a:lvl1pPr>
+            <a:lvl2pPr>
+              <a:defRPr>
+                <a:solidFill>
+                  <a:schemeClr val="lt1"/>
+                </a:solidFill>
+              </a:defRPr>
+            </a:lvl2pPr>
+            <a:lvl3pPr>
+              <a:defRPr>
+                <a:solidFill>
+                  <a:schemeClr val="lt1"/>
+                </a:solidFill>
+              </a:defRPr>
+            </a:lvl3pPr>
+            <a:lvl4pPr>
+              <a:defRPr>
+                <a:solidFill>
+                  <a:schemeClr val="lt1"/>
+                </a:solidFill>
+              </a:defRPr>
+            </a:lvl4pPr>
+            <a:lvl5pPr>
+              <a:defRPr>
+                <a:solidFill>
+                  <a:schemeClr val="lt1"/>
+                </a:solidFill>
+              </a:defRPr>
+            </a:lvl5pPr>
+            <a:lvl6pPr>
+              <a:defRPr>
+                <a:solidFill>
+                  <a:schemeClr val="lt1"/>
+                </a:solidFill>
+              </a:defRPr>
+            </a:lvl6pPr>
+            <a:lvl7pPr>
+              <a:defRPr>
+                <a:solidFill>
+                  <a:schemeClr val="lt1"/>
+                </a:solidFill>
+              </a:defRPr>
+            </a:lvl7pPr>
+            <a:lvl8pPr>
+              <a:defRPr>
+                <a:solidFill>
+                  <a:schemeClr val="lt1"/>
+                </a:solidFill>
+              </a:defRPr>
+            </a:lvl8pPr>
+            <a:lvl9pPr>
+              <a:defRPr>
+                <a:solidFill>
+                  <a:schemeClr val="lt1"/>
+                </a:solidFill>
+              </a:defRPr>
+            </a:lvl9pPr>
+          </a:lstStyle>
+          <a:p>
+            <a:pPr algn="r"/>
+            <a:r>
+              <a:rPr lang="en-US" dirty="0">
+                <a:solidFill>
+                  <a:schemeClr val="tx1"/>
+                </a:solidFill>
+              </a:rPr>
+              <a:t>Browser</a:t>
+            </a:r>
+            <a:endParaRPr lang="en-SG" dirty="0">
+              <a:solidFill>
+                <a:schemeClr val="tx1"/>
+              </a:solidFill>
+            </a:endParaRPr>
+          </a:p>
+        </p:txBody>
+      </p:sp>
+      <p:sp>
+        <p:nvSpPr>
+          <p:cNvPr id="164" name="Folded Corner 163"/>
           <p:cNvSpPr/>
           <p:nvPr/>
         </p:nvSpPr>
         <p:spPr>
           <a:xfrm>
-            <a:off x="6628807" y="5456237"/>
-            <a:ext cx="1980000" cy="360000"/>
-          </a:xfrm>
-          <a:prstGeom prst="rect">
-            <a:avLst/>
-          </a:prstGeom>
-          <a:ln/>
+            <a:off x="455017" y="5549821"/>
+            <a:ext cx="649883" cy="1408984"/>
+          </a:xfrm>
+          <a:prstGeom prst="foldedCorner">
+            <a:avLst/>
+          </a:prstGeom>
+          <a:solidFill>
+            <a:schemeClr val="bg1"/>
+          </a:solidFill>
+          <a:ln>
+            <a:solidFill>
+              <a:schemeClr val="tx1"/>
+            </a:solidFill>
+          </a:ln>
         </p:spPr>
         <p:style>
           <a:lnRef idx="2">
@@ -6821,852 +6492,6 @@
           <a:p>
             <a:pPr algn="ctr"/>
             <a:r>
-              <a:rPr lang="en-US" sz="1600" b="1" dirty="0" err="1"/>
-              <a:t>PageData</a:t>
-            </a:r>
-            <a:endParaRPr lang="en-SG" sz="1600" b="1" dirty="0"/>
-          </a:p>
-        </p:txBody>
-      </p:sp>
-      <p:sp>
-        <p:nvSpPr>
-          <p:cNvPr id="132" name="Rectangle 131"/>
-          <p:cNvSpPr/>
-          <p:nvPr/>
-        </p:nvSpPr>
-        <p:spPr>
-          <a:xfrm>
-            <a:off x="6053406" y="6605015"/>
-            <a:ext cx="3140307" cy="603822"/>
-          </a:xfrm>
-          <a:prstGeom prst="rect">
-            <a:avLst/>
-          </a:prstGeom>
-          <a:ln/>
-        </p:spPr>
-        <p:style>
-          <a:lnRef idx="2">
-            <a:schemeClr val="accent4">
-              <a:shade val="50000"/>
-            </a:schemeClr>
-          </a:lnRef>
-          <a:fillRef idx="1">
-            <a:schemeClr val="accent4"/>
-          </a:fillRef>
-          <a:effectRef idx="0">
-            <a:schemeClr val="accent4"/>
-          </a:effectRef>
-          <a:fontRef idx="minor">
-            <a:schemeClr val="lt1"/>
-          </a:fontRef>
-        </p:style>
-        <p:txBody>
-          <a:bodyPr rtlCol="0" anchor="ctr"/>
-          <a:lstStyle/>
-          <a:p>
-            <a:pPr algn="ctr"/>
-            <a:r>
-              <a:rPr lang="en-US" sz="1600" b="1" dirty="0" smtClean="0"/>
-              <a:t>Page objects (panels, tables, rows, forms, etc.)</a:t>
-            </a:r>
-            <a:endParaRPr lang="en-SG" sz="1600" b="1" dirty="0"/>
-          </a:p>
-        </p:txBody>
-      </p:sp>
-      <p:cxnSp>
-        <p:nvCxnSpPr>
-          <p:cNvPr id="133" name="Elbow Connector 132"/>
-          <p:cNvCxnSpPr>
-            <a:stCxn id="130" idx="1"/>
-          </p:cNvCxnSpPr>
-          <p:nvPr/>
-        </p:nvCxnSpPr>
-        <p:spPr>
-          <a:xfrm rot="10800000" flipV="1">
-            <a:off x="7618809" y="4802811"/>
-            <a:ext cx="394199" cy="653425"/>
-          </a:xfrm>
-          <a:prstGeom prst="bentConnector2">
-            <a:avLst/>
-          </a:prstGeom>
-          <a:solidFill>
-            <a:srgbClr val="92D050"/>
-          </a:solidFill>
-          <a:ln>
-            <a:solidFill>
-              <a:srgbClr val="00B050"/>
-            </a:solidFill>
-          </a:ln>
-        </p:spPr>
-        <p:style>
-          <a:lnRef idx="2">
-            <a:schemeClr val="accent6">
-              <a:shade val="50000"/>
-            </a:schemeClr>
-          </a:lnRef>
-          <a:fillRef idx="1">
-            <a:schemeClr val="accent6"/>
-          </a:fillRef>
-          <a:effectRef idx="0">
-            <a:schemeClr val="accent6"/>
-          </a:effectRef>
-          <a:fontRef idx="minor">
-            <a:schemeClr val="lt1"/>
-          </a:fontRef>
-        </p:style>
-      </p:cxnSp>
-      <p:cxnSp>
-        <p:nvCxnSpPr>
-          <p:cNvPr id="134" name="Elbow Connector 133"/>
-          <p:cNvCxnSpPr>
-            <a:stCxn id="135" idx="2"/>
-            <a:endCxn id="132" idx="0"/>
-          </p:cNvCxnSpPr>
-          <p:nvPr/>
-        </p:nvCxnSpPr>
-        <p:spPr>
-          <a:xfrm rot="16200000" flipH="1">
-            <a:off x="7336082" y="6321989"/>
-            <a:ext cx="566050" cy="0"/>
-          </a:xfrm>
-          <a:prstGeom prst="bentConnector3">
-            <a:avLst>
-              <a:gd name="adj1" fmla="val 50000"/>
-            </a:avLst>
-          </a:prstGeom>
-          <a:ln>
-            <a:solidFill>
-              <a:schemeClr val="accent4">
-                <a:lumMod val="50000"/>
-              </a:schemeClr>
-            </a:solidFill>
-          </a:ln>
-        </p:spPr>
-        <p:style>
-          <a:lnRef idx="2">
-            <a:schemeClr val="accent6">
-              <a:shade val="50000"/>
-            </a:schemeClr>
-          </a:lnRef>
-          <a:fillRef idx="1">
-            <a:schemeClr val="accent6"/>
-          </a:fillRef>
-          <a:effectRef idx="0">
-            <a:schemeClr val="accent6"/>
-          </a:effectRef>
-          <a:fontRef idx="minor">
-            <a:schemeClr val="lt1"/>
-          </a:fontRef>
-        </p:style>
-      </p:cxnSp>
-      <p:sp>
-        <p:nvSpPr>
-          <p:cNvPr id="135" name="Diamond 134"/>
-          <p:cNvSpPr/>
-          <p:nvPr/>
-        </p:nvSpPr>
-        <p:spPr>
-          <a:xfrm>
-            <a:off x="7511107" y="5822965"/>
-            <a:ext cx="216000" cy="216000"/>
-          </a:xfrm>
-          <a:prstGeom prst="diamond">
-            <a:avLst/>
-          </a:prstGeom>
-          <a:ln/>
-        </p:spPr>
-        <p:style>
-          <a:lnRef idx="2">
-            <a:schemeClr val="accent4">
-              <a:shade val="50000"/>
-            </a:schemeClr>
-          </a:lnRef>
-          <a:fillRef idx="1">
-            <a:schemeClr val="accent4"/>
-          </a:fillRef>
-          <a:effectRef idx="0">
-            <a:schemeClr val="accent4"/>
-          </a:effectRef>
-          <a:fontRef idx="minor">
-            <a:schemeClr val="lt1"/>
-          </a:fontRef>
-        </p:style>
-        <p:txBody>
-          <a:bodyPr rtlCol="0" anchor="ctr"/>
-          <a:lstStyle/>
-          <a:p>
-            <a:pPr algn="ctr"/>
-            <a:endParaRPr lang="en-SG" sz="1600" b="1"/>
-          </a:p>
-        </p:txBody>
-      </p:sp>
-      <p:grpSp>
-        <p:nvGrpSpPr>
-          <p:cNvPr id="141" name="Group 140"/>
-          <p:cNvGrpSpPr/>
-          <p:nvPr/>
-        </p:nvGrpSpPr>
-        <p:grpSpPr>
-          <a:xfrm>
-            <a:off x="4346405" y="5523972"/>
-            <a:ext cx="1291797" cy="560547"/>
-            <a:chOff x="3174200" y="5727314"/>
-            <a:chExt cx="1663512" cy="560547"/>
-          </a:xfrm>
-        </p:grpSpPr>
-        <p:sp>
-          <p:nvSpPr>
-            <p:cNvPr id="143" name="Folded Corner 142"/>
-            <p:cNvSpPr/>
-            <p:nvPr/>
-          </p:nvSpPr>
-          <p:spPr>
-            <a:xfrm>
-              <a:off x="3174200" y="5727314"/>
-              <a:ext cx="1466850" cy="406993"/>
-            </a:xfrm>
-            <a:prstGeom prst="foldedCorner">
-              <a:avLst/>
-            </a:prstGeom>
-          </p:spPr>
-          <p:style>
-            <a:lnRef idx="2">
-              <a:schemeClr val="accent4">
-                <a:shade val="50000"/>
-              </a:schemeClr>
-            </a:lnRef>
-            <a:fillRef idx="1">
-              <a:schemeClr val="accent4"/>
-            </a:fillRef>
-            <a:effectRef idx="0">
-              <a:schemeClr val="accent4"/>
-            </a:effectRef>
-            <a:fontRef idx="minor">
-              <a:schemeClr val="lt1"/>
-            </a:fontRef>
-          </p:style>
-          <p:txBody>
-            <a:bodyPr rtlCol="0" anchor="ctr"/>
-            <a:lstStyle/>
-            <a:p>
-              <a:pPr algn="ctr"/>
-              <a:endParaRPr lang="en-SG" sz="1600" b="1" dirty="0"/>
-            </a:p>
-          </p:txBody>
-        </p:sp>
-        <p:sp>
-          <p:nvSpPr>
-            <p:cNvPr id="145" name="Folded Corner 144"/>
-            <p:cNvSpPr/>
-            <p:nvPr/>
-          </p:nvSpPr>
-          <p:spPr>
-            <a:xfrm>
-              <a:off x="3266878" y="5802782"/>
-              <a:ext cx="1466849" cy="406993"/>
-            </a:xfrm>
-            <a:prstGeom prst="foldedCorner">
-              <a:avLst/>
-            </a:prstGeom>
-          </p:spPr>
-          <p:style>
-            <a:lnRef idx="2">
-              <a:schemeClr val="accent4">
-                <a:shade val="50000"/>
-              </a:schemeClr>
-            </a:lnRef>
-            <a:fillRef idx="1">
-              <a:schemeClr val="accent4"/>
-            </a:fillRef>
-            <a:effectRef idx="0">
-              <a:schemeClr val="accent4"/>
-            </a:effectRef>
-            <a:fontRef idx="minor">
-              <a:schemeClr val="lt1"/>
-            </a:fontRef>
-          </p:style>
-          <p:txBody>
-            <a:bodyPr rtlCol="0" anchor="ctr"/>
-            <a:lstStyle/>
-            <a:p>
-              <a:pPr algn="ctr"/>
-              <a:endParaRPr lang="en-SG" sz="1600" b="1" dirty="0"/>
-            </a:p>
-          </p:txBody>
-        </p:sp>
-        <p:sp>
-          <p:nvSpPr>
-            <p:cNvPr id="148" name="Folded Corner 147"/>
-            <p:cNvSpPr/>
-            <p:nvPr/>
-          </p:nvSpPr>
-          <p:spPr>
-            <a:xfrm>
-              <a:off x="3370863" y="5880868"/>
-              <a:ext cx="1466849" cy="406993"/>
-            </a:xfrm>
-            <a:prstGeom prst="foldedCorner">
-              <a:avLst/>
-            </a:prstGeom>
-          </p:spPr>
-          <p:style>
-            <a:lnRef idx="2">
-              <a:schemeClr val="accent4">
-                <a:shade val="50000"/>
-              </a:schemeClr>
-            </a:lnRef>
-            <a:fillRef idx="1">
-              <a:schemeClr val="accent4"/>
-            </a:fillRef>
-            <a:effectRef idx="0">
-              <a:schemeClr val="accent4"/>
-            </a:effectRef>
-            <a:fontRef idx="minor">
-              <a:schemeClr val="lt1"/>
-            </a:fontRef>
-          </p:style>
-          <p:txBody>
-            <a:bodyPr rtlCol="0" anchor="ctr"/>
-            <a:lstStyle/>
-            <a:p>
-              <a:pPr algn="ctr"/>
-              <a:r>
-                <a:rPr lang="en-US" sz="1600" b="1" dirty="0"/>
-                <a:t>*.</a:t>
-              </a:r>
-              <a:r>
-                <a:rPr lang="en-US" sz="1600" b="1" dirty="0" err="1"/>
-                <a:t>jsp</a:t>
-              </a:r>
-              <a:endParaRPr lang="en-SG" sz="1600" b="1" dirty="0"/>
-            </a:p>
-          </p:txBody>
-        </p:sp>
-      </p:grpSp>
-      <p:cxnSp>
-        <p:nvCxnSpPr>
-          <p:cNvPr id="150" name="Elbow Connector 149"/>
-          <p:cNvCxnSpPr>
-            <a:stCxn id="148" idx="3"/>
-            <a:endCxn id="131" idx="1"/>
-          </p:cNvCxnSpPr>
-          <p:nvPr/>
-        </p:nvCxnSpPr>
-        <p:spPr>
-          <a:xfrm flipV="1">
-            <a:off x="5638202" y="5636237"/>
-            <a:ext cx="990605" cy="244786"/>
-          </a:xfrm>
-          <a:prstGeom prst="bentConnector3">
-            <a:avLst>
-              <a:gd name="adj1" fmla="val 50000"/>
-            </a:avLst>
-          </a:prstGeom>
-          <a:ln w="38100">
-            <a:prstDash val="sysDot"/>
-            <a:tailEnd type="arrow"/>
-          </a:ln>
-        </p:spPr>
-        <p:style>
-          <a:lnRef idx="2">
-            <a:schemeClr val="accent4">
-              <a:shade val="50000"/>
-            </a:schemeClr>
-          </a:lnRef>
-          <a:fillRef idx="1">
-            <a:schemeClr val="accent4"/>
-          </a:fillRef>
-          <a:effectRef idx="0">
-            <a:schemeClr val="accent4"/>
-          </a:effectRef>
-          <a:fontRef idx="minor">
-            <a:schemeClr val="lt1"/>
-          </a:fontRef>
-        </p:style>
-      </p:cxnSp>
-      <p:cxnSp>
-        <p:nvCxnSpPr>
-          <p:cNvPr id="151" name="Elbow Connector 150"/>
-          <p:cNvCxnSpPr>
-            <a:stCxn id="160" idx="3"/>
-            <a:endCxn id="132" idx="1"/>
-          </p:cNvCxnSpPr>
-          <p:nvPr/>
-        </p:nvCxnSpPr>
-        <p:spPr>
-          <a:xfrm>
-            <a:off x="5104805" y="6742303"/>
-            <a:ext cx="948601" cy="164623"/>
-          </a:xfrm>
-          <a:prstGeom prst="bentConnector3">
-            <a:avLst>
-              <a:gd name="adj1" fmla="val 50000"/>
-            </a:avLst>
-          </a:prstGeom>
-          <a:ln w="38100">
-            <a:prstDash val="sysDot"/>
-            <a:tailEnd type="arrow"/>
-          </a:ln>
-        </p:spPr>
-        <p:style>
-          <a:lnRef idx="2">
-            <a:schemeClr val="accent4">
-              <a:shade val="50000"/>
-            </a:schemeClr>
-          </a:lnRef>
-          <a:fillRef idx="1">
-            <a:schemeClr val="accent4"/>
-          </a:fillRef>
-          <a:effectRef idx="0">
-            <a:schemeClr val="accent4"/>
-          </a:effectRef>
-          <a:fontRef idx="minor">
-            <a:schemeClr val="lt1"/>
-          </a:fontRef>
-        </p:style>
-      </p:cxnSp>
-      <p:sp>
-        <p:nvSpPr>
-          <p:cNvPr id="152" name="Diamond 151"/>
-          <p:cNvSpPr/>
-          <p:nvPr/>
-        </p:nvSpPr>
-        <p:spPr>
-          <a:xfrm>
-            <a:off x="5201810" y="6114433"/>
-            <a:ext cx="216000" cy="216000"/>
-          </a:xfrm>
-          <a:prstGeom prst="diamond">
-            <a:avLst/>
-          </a:prstGeom>
-          <a:ln/>
-        </p:spPr>
-        <p:style>
-          <a:lnRef idx="2">
-            <a:schemeClr val="accent4">
-              <a:shade val="50000"/>
-            </a:schemeClr>
-          </a:lnRef>
-          <a:fillRef idx="1">
-            <a:schemeClr val="accent4"/>
-          </a:fillRef>
-          <a:effectRef idx="0">
-            <a:schemeClr val="accent4"/>
-          </a:effectRef>
-          <a:fontRef idx="minor">
-            <a:schemeClr val="lt1"/>
-          </a:fontRef>
-        </p:style>
-        <p:txBody>
-          <a:bodyPr rtlCol="0" anchor="ctr"/>
-          <a:lstStyle/>
-          <a:p>
-            <a:pPr algn="ctr"/>
-            <a:endParaRPr lang="en-SG" sz="1600" b="1"/>
-          </a:p>
-        </p:txBody>
-      </p:sp>
-      <p:cxnSp>
-        <p:nvCxnSpPr>
-          <p:cNvPr id="153" name="Elbow Connector 152"/>
-          <p:cNvCxnSpPr>
-            <a:stCxn id="152" idx="2"/>
-            <a:endCxn id="159" idx="3"/>
-          </p:cNvCxnSpPr>
-          <p:nvPr/>
-        </p:nvCxnSpPr>
-        <p:spPr>
-          <a:xfrm rot="5400000">
-            <a:off x="5002896" y="6356143"/>
-            <a:ext cx="332624" cy="281205"/>
-          </a:xfrm>
-          <a:prstGeom prst="bentConnector2">
-            <a:avLst/>
-          </a:prstGeom>
-          <a:ln>
-            <a:solidFill>
-              <a:schemeClr val="accent4">
-                <a:lumMod val="50000"/>
-              </a:schemeClr>
-            </a:solidFill>
-          </a:ln>
-        </p:spPr>
-        <p:style>
-          <a:lnRef idx="2">
-            <a:schemeClr val="accent6">
-              <a:shade val="50000"/>
-            </a:schemeClr>
-          </a:lnRef>
-          <a:fillRef idx="1">
-            <a:schemeClr val="accent6"/>
-          </a:fillRef>
-          <a:effectRef idx="0">
-            <a:schemeClr val="accent6"/>
-          </a:effectRef>
-          <a:fontRef idx="minor">
-            <a:schemeClr val="lt1"/>
-          </a:fontRef>
-        </p:style>
-      </p:cxnSp>
-      <p:grpSp>
-        <p:nvGrpSpPr>
-          <p:cNvPr id="154" name="Group 153"/>
-          <p:cNvGrpSpPr/>
-          <p:nvPr/>
-        </p:nvGrpSpPr>
-        <p:grpSpPr>
-          <a:xfrm>
-            <a:off x="3813327" y="6370637"/>
-            <a:ext cx="1291478" cy="575162"/>
-            <a:chOff x="3179250" y="6547958"/>
-            <a:chExt cx="1663102" cy="575162"/>
-          </a:xfrm>
-        </p:grpSpPr>
-        <p:sp>
-          <p:nvSpPr>
-            <p:cNvPr id="155" name="Folded Corner 154"/>
-            <p:cNvSpPr/>
-            <p:nvPr/>
-          </p:nvSpPr>
-          <p:spPr>
-            <a:xfrm>
-              <a:off x="3179250" y="6547958"/>
-              <a:ext cx="1466849" cy="406993"/>
-            </a:xfrm>
-            <a:prstGeom prst="foldedCorner">
-              <a:avLst/>
-            </a:prstGeom>
-          </p:spPr>
-          <p:style>
-            <a:lnRef idx="2">
-              <a:schemeClr val="accent4">
-                <a:shade val="50000"/>
-              </a:schemeClr>
-            </a:lnRef>
-            <a:fillRef idx="1">
-              <a:schemeClr val="accent4"/>
-            </a:fillRef>
-            <a:effectRef idx="0">
-              <a:schemeClr val="accent4"/>
-            </a:effectRef>
-            <a:fontRef idx="minor">
-              <a:schemeClr val="lt1"/>
-            </a:fontRef>
-          </p:style>
-          <p:txBody>
-            <a:bodyPr rtlCol="0" anchor="ctr"/>
-            <a:lstStyle/>
-            <a:p>
-              <a:pPr algn="ctr"/>
-              <a:endParaRPr lang="en-SG" sz="1600" b="1" dirty="0"/>
-            </a:p>
-          </p:txBody>
-        </p:sp>
-        <p:sp>
-          <p:nvSpPr>
-            <p:cNvPr id="159" name="Folded Corner 158"/>
-            <p:cNvSpPr/>
-            <p:nvPr/>
-          </p:nvSpPr>
-          <p:spPr>
-            <a:xfrm>
-              <a:off x="3277376" y="6636881"/>
-              <a:ext cx="1466849" cy="406993"/>
-            </a:xfrm>
-            <a:prstGeom prst="foldedCorner">
-              <a:avLst/>
-            </a:prstGeom>
-          </p:spPr>
-          <p:style>
-            <a:lnRef idx="2">
-              <a:schemeClr val="accent4">
-                <a:shade val="50000"/>
-              </a:schemeClr>
-            </a:lnRef>
-            <a:fillRef idx="1">
-              <a:schemeClr val="accent4"/>
-            </a:fillRef>
-            <a:effectRef idx="0">
-              <a:schemeClr val="accent4"/>
-            </a:effectRef>
-            <a:fontRef idx="minor">
-              <a:schemeClr val="lt1"/>
-            </a:fontRef>
-          </p:style>
-          <p:txBody>
-            <a:bodyPr rtlCol="0" anchor="ctr"/>
-            <a:lstStyle/>
-            <a:p>
-              <a:pPr algn="ctr"/>
-              <a:endParaRPr lang="en-SG" sz="1600" b="1" dirty="0"/>
-            </a:p>
-          </p:txBody>
-        </p:sp>
-        <p:sp>
-          <p:nvSpPr>
-            <p:cNvPr id="160" name="Folded Corner 159"/>
-            <p:cNvSpPr/>
-            <p:nvPr/>
-          </p:nvSpPr>
-          <p:spPr>
-            <a:xfrm>
-              <a:off x="3375503" y="6716127"/>
-              <a:ext cx="1466849" cy="406993"/>
-            </a:xfrm>
-            <a:prstGeom prst="foldedCorner">
-              <a:avLst/>
-            </a:prstGeom>
-          </p:spPr>
-          <p:style>
-            <a:lnRef idx="2">
-              <a:schemeClr val="accent4">
-                <a:shade val="50000"/>
-              </a:schemeClr>
-            </a:lnRef>
-            <a:fillRef idx="1">
-              <a:schemeClr val="accent4"/>
-            </a:fillRef>
-            <a:effectRef idx="0">
-              <a:schemeClr val="accent4"/>
-            </a:effectRef>
-            <a:fontRef idx="minor">
-              <a:schemeClr val="lt1"/>
-            </a:fontRef>
-          </p:style>
-          <p:txBody>
-            <a:bodyPr rtlCol="0" anchor="ctr"/>
-            <a:lstStyle/>
-            <a:p>
-              <a:pPr algn="ctr"/>
-              <a:r>
-                <a:rPr lang="en-US" sz="1600" b="1" dirty="0" smtClean="0"/>
-                <a:t>*.tag</a:t>
-              </a:r>
-              <a:endParaRPr lang="en-SG" sz="1600" b="1" dirty="0"/>
-            </a:p>
-          </p:txBody>
-        </p:sp>
-      </p:grpSp>
-      <p:sp>
-        <p:nvSpPr>
-          <p:cNvPr id="162" name="Rectangle 161"/>
-          <p:cNvSpPr/>
-          <p:nvPr/>
-        </p:nvSpPr>
-        <p:spPr>
-          <a:xfrm>
-            <a:off x="342897" y="5151437"/>
-            <a:ext cx="875710" cy="2035968"/>
-          </a:xfrm>
-          <a:prstGeom prst="rect">
-            <a:avLst/>
-          </a:prstGeom>
-          <a:solidFill>
-            <a:schemeClr val="bg1">
-              <a:lumMod val="85000"/>
-            </a:schemeClr>
-          </a:solidFill>
-          <a:ln>
-            <a:solidFill>
-              <a:schemeClr val="bg1">
-                <a:lumMod val="65000"/>
-              </a:schemeClr>
-            </a:solidFill>
-          </a:ln>
-        </p:spPr>
-        <p:style>
-          <a:lnRef idx="2">
-            <a:schemeClr val="accent1">
-              <a:shade val="50000"/>
-            </a:schemeClr>
-          </a:lnRef>
-          <a:fillRef idx="1">
-            <a:schemeClr val="accent1"/>
-          </a:fillRef>
-          <a:effectRef idx="0">
-            <a:schemeClr val="accent1"/>
-          </a:effectRef>
-          <a:fontRef idx="minor">
-            <a:schemeClr val="lt1"/>
-          </a:fontRef>
-        </p:style>
-        <p:txBody>
-          <a:bodyPr rtlCol="0" anchor="ctr"/>
-          <a:lstStyle/>
-          <a:p>
-            <a:pPr algn="ctr"/>
-            <a:endParaRPr lang="en-SG"/>
-          </a:p>
-        </p:txBody>
-      </p:sp>
-      <p:sp>
-        <p:nvSpPr>
-          <p:cNvPr id="163" name="TextBox 162"/>
-          <p:cNvSpPr txBox="1"/>
-          <p:nvPr/>
-        </p:nvSpPr>
-        <p:spPr>
-          <a:xfrm>
-            <a:off x="266700" y="5185570"/>
-            <a:ext cx="937901" cy="307777"/>
-          </a:xfrm>
-          <a:prstGeom prst="rect">
-            <a:avLst/>
-          </a:prstGeom>
-          <a:grpFill/>
-          <a:ln>
-            <a:noFill/>
-          </a:ln>
-        </p:spPr>
-        <p:style>
-          <a:lnRef idx="2">
-            <a:schemeClr val="accent1">
-              <a:shade val="50000"/>
-            </a:schemeClr>
-          </a:lnRef>
-          <a:fillRef idx="1">
-            <a:schemeClr val="accent1"/>
-          </a:fillRef>
-          <a:effectRef idx="0">
-            <a:schemeClr val="accent1"/>
-          </a:effectRef>
-          <a:fontRef idx="minor">
-            <a:schemeClr val="lt1"/>
-          </a:fontRef>
-        </p:style>
-        <p:txBody>
-          <a:bodyPr rtlCol="0" anchor="t" anchorCtr="0"/>
-          <a:lstStyle>
-            <a:defPPr>
-              <a:defRPr lang="en-US"/>
-            </a:defPPr>
-            <a:lvl1pPr>
-              <a:defRPr sz="1400" b="1">
-                <a:solidFill>
-                  <a:srgbClr val="7030A0"/>
-                </a:solidFill>
-              </a:defRPr>
-            </a:lvl1pPr>
-            <a:lvl2pPr>
-              <a:defRPr>
-                <a:solidFill>
-                  <a:schemeClr val="lt1"/>
-                </a:solidFill>
-              </a:defRPr>
-            </a:lvl2pPr>
-            <a:lvl3pPr>
-              <a:defRPr>
-                <a:solidFill>
-                  <a:schemeClr val="lt1"/>
-                </a:solidFill>
-              </a:defRPr>
-            </a:lvl3pPr>
-            <a:lvl4pPr>
-              <a:defRPr>
-                <a:solidFill>
-                  <a:schemeClr val="lt1"/>
-                </a:solidFill>
-              </a:defRPr>
-            </a:lvl4pPr>
-            <a:lvl5pPr>
-              <a:defRPr>
-                <a:solidFill>
-                  <a:schemeClr val="lt1"/>
-                </a:solidFill>
-              </a:defRPr>
-            </a:lvl5pPr>
-            <a:lvl6pPr>
-              <a:defRPr>
-                <a:solidFill>
-                  <a:schemeClr val="lt1"/>
-                </a:solidFill>
-              </a:defRPr>
-            </a:lvl6pPr>
-            <a:lvl7pPr>
-              <a:defRPr>
-                <a:solidFill>
-                  <a:schemeClr val="lt1"/>
-                </a:solidFill>
-              </a:defRPr>
-            </a:lvl7pPr>
-            <a:lvl8pPr>
-              <a:defRPr>
-                <a:solidFill>
-                  <a:schemeClr val="lt1"/>
-                </a:solidFill>
-              </a:defRPr>
-            </a:lvl8pPr>
-            <a:lvl9pPr>
-              <a:defRPr>
-                <a:solidFill>
-                  <a:schemeClr val="lt1"/>
-                </a:solidFill>
-              </a:defRPr>
-            </a:lvl9pPr>
-          </a:lstStyle>
-          <a:p>
-            <a:pPr algn="r"/>
-            <a:r>
-              <a:rPr lang="en-US" dirty="0">
-                <a:solidFill>
-                  <a:schemeClr val="tx1"/>
-                </a:solidFill>
-              </a:rPr>
-              <a:t>Browser</a:t>
-            </a:r>
-            <a:endParaRPr lang="en-SG" dirty="0">
-              <a:solidFill>
-                <a:schemeClr val="tx1"/>
-              </a:solidFill>
-            </a:endParaRPr>
-          </a:p>
-        </p:txBody>
-      </p:sp>
-      <p:sp>
-        <p:nvSpPr>
-          <p:cNvPr id="164" name="Folded Corner 163"/>
-          <p:cNvSpPr/>
-          <p:nvPr/>
-        </p:nvSpPr>
-        <p:spPr>
-          <a:xfrm>
-            <a:off x="455017" y="5549821"/>
-            <a:ext cx="649883" cy="1408984"/>
-          </a:xfrm>
-          <a:prstGeom prst="foldedCorner">
-            <a:avLst/>
-          </a:prstGeom>
-          <a:solidFill>
-            <a:schemeClr val="bg1"/>
-          </a:solidFill>
-          <a:ln>
-            <a:solidFill>
-              <a:schemeClr val="tx1"/>
-            </a:solidFill>
-          </a:ln>
-        </p:spPr>
-        <p:style>
-          <a:lnRef idx="2">
-            <a:schemeClr val="accent4">
-              <a:shade val="50000"/>
-            </a:schemeClr>
-          </a:lnRef>
-          <a:fillRef idx="1">
-            <a:schemeClr val="accent4"/>
-          </a:fillRef>
-          <a:effectRef idx="0">
-            <a:schemeClr val="accent4"/>
-          </a:effectRef>
-          <a:fontRef idx="minor">
-            <a:schemeClr val="lt1"/>
-          </a:fontRef>
-        </p:style>
-        <p:txBody>
-          <a:bodyPr rtlCol="0" anchor="ctr"/>
-          <a:lstStyle/>
-          <a:p>
-            <a:pPr algn="ctr"/>
-            <a:r>
               <a:rPr lang="en-US" sz="1600" b="1" dirty="0">
                 <a:solidFill>
                   <a:schemeClr val="tx1"/>
@@ -7679,165 +6504,6 @@
                 <a:schemeClr val="tx1"/>
               </a:solidFill>
             </a:endParaRPr>
-          </a:p>
-        </p:txBody>
-      </p:sp>
-      <p:cxnSp>
-        <p:nvCxnSpPr>
-          <p:cNvPr id="165" name="Elbow Connector 164"/>
-          <p:cNvCxnSpPr>
-            <a:stCxn id="143" idx="1"/>
-          </p:cNvCxnSpPr>
-          <p:nvPr/>
-        </p:nvCxnSpPr>
-        <p:spPr>
-          <a:xfrm rot="10800000">
-            <a:off x="1181101" y="5727469"/>
-            <a:ext cx="3165305" cy="0"/>
-          </a:xfrm>
-          <a:prstGeom prst="bentConnector3">
-            <a:avLst>
-              <a:gd name="adj1" fmla="val 50000"/>
-            </a:avLst>
-          </a:prstGeom>
-          <a:ln w="38100">
-            <a:prstDash val="sysDot"/>
-            <a:tailEnd type="arrow"/>
-          </a:ln>
-        </p:spPr>
-        <p:style>
-          <a:lnRef idx="2">
-            <a:schemeClr val="accent4">
-              <a:shade val="50000"/>
-            </a:schemeClr>
-          </a:lnRef>
-          <a:fillRef idx="1">
-            <a:schemeClr val="accent4"/>
-          </a:fillRef>
-          <a:effectRef idx="0">
-            <a:schemeClr val="accent4"/>
-          </a:effectRef>
-          <a:fontRef idx="minor">
-            <a:schemeClr val="lt1"/>
-          </a:fontRef>
-        </p:style>
-      </p:cxnSp>
-      <p:sp>
-        <p:nvSpPr>
-          <p:cNvPr id="166" name="TextBox 165"/>
-          <p:cNvSpPr txBox="1"/>
-          <p:nvPr/>
-        </p:nvSpPr>
-        <p:spPr>
-          <a:xfrm>
-            <a:off x="3047407" y="5380037"/>
-            <a:ext cx="1146280" cy="361773"/>
-          </a:xfrm>
-          <a:prstGeom prst="rect">
-            <a:avLst/>
-          </a:prstGeom>
-          <a:grpFill/>
-          <a:ln>
-            <a:noFill/>
-          </a:ln>
-        </p:spPr>
-        <p:style>
-          <a:lnRef idx="2">
-            <a:schemeClr val="accent1">
-              <a:shade val="50000"/>
-            </a:schemeClr>
-          </a:lnRef>
-          <a:fillRef idx="1">
-            <a:schemeClr val="accent1"/>
-          </a:fillRef>
-          <a:effectRef idx="0">
-            <a:schemeClr val="accent1"/>
-          </a:effectRef>
-          <a:fontRef idx="minor">
-            <a:schemeClr val="lt1"/>
-          </a:fontRef>
-        </p:style>
-        <p:txBody>
-          <a:bodyPr rtlCol="0" anchor="t" anchorCtr="0"/>
-          <a:lstStyle>
-            <a:defPPr>
-              <a:defRPr lang="en-US"/>
-            </a:defPPr>
-            <a:lvl1pPr>
-              <a:defRPr sz="1400" b="1">
-                <a:solidFill>
-                  <a:srgbClr val="7030A0"/>
-                </a:solidFill>
-              </a:defRPr>
-            </a:lvl1pPr>
-            <a:lvl2pPr>
-              <a:defRPr>
-                <a:solidFill>
-                  <a:schemeClr val="lt1"/>
-                </a:solidFill>
-              </a:defRPr>
-            </a:lvl2pPr>
-            <a:lvl3pPr>
-              <a:defRPr>
-                <a:solidFill>
-                  <a:schemeClr val="lt1"/>
-                </a:solidFill>
-              </a:defRPr>
-            </a:lvl3pPr>
-            <a:lvl4pPr>
-              <a:defRPr>
-                <a:solidFill>
-                  <a:schemeClr val="lt1"/>
-                </a:solidFill>
-              </a:defRPr>
-            </a:lvl4pPr>
-            <a:lvl5pPr>
-              <a:defRPr>
-                <a:solidFill>
-                  <a:schemeClr val="lt1"/>
-                </a:solidFill>
-              </a:defRPr>
-            </a:lvl5pPr>
-            <a:lvl6pPr>
-              <a:defRPr>
-                <a:solidFill>
-                  <a:schemeClr val="lt1"/>
-                </a:solidFill>
-              </a:defRPr>
-            </a:lvl6pPr>
-            <a:lvl7pPr>
-              <a:defRPr>
-                <a:solidFill>
-                  <a:schemeClr val="lt1"/>
-                </a:solidFill>
-              </a:defRPr>
-            </a:lvl7pPr>
-            <a:lvl8pPr>
-              <a:defRPr>
-                <a:solidFill>
-                  <a:schemeClr val="lt1"/>
-                </a:solidFill>
-              </a:defRPr>
-            </a:lvl8pPr>
-            <a:lvl9pPr>
-              <a:defRPr>
-                <a:solidFill>
-                  <a:schemeClr val="lt1"/>
-                </a:solidFill>
-              </a:defRPr>
-            </a:lvl9pPr>
-          </a:lstStyle>
-          <a:p>
-            <a:pPr algn="r"/>
-            <a:r>
-              <a:rPr lang="en-US" dirty="0"/>
-              <a:t>&lt;&lt;</a:t>
-            </a:r>
-            <a:r>
-              <a:rPr lang="en-US" dirty="0" smtClean="0"/>
-              <a:t>creates&gt;&gt;</a:t>
-            </a:r>
-            <a:endParaRPr lang="en-SG" dirty="0"/>
           </a:p>
         </p:txBody>
       </p:sp>
@@ -7849,7 +6515,7 @@
         </p:nvGrpSpPr>
         <p:grpSpPr>
           <a:xfrm>
-            <a:off x="2198234" y="5872425"/>
+            <a:off x="3467100" y="5761037"/>
             <a:ext cx="1291478" cy="575162"/>
             <a:chOff x="3179250" y="6547958"/>
             <a:chExt cx="1663102" cy="575162"/>
@@ -7992,7 +6658,7 @@
         </p:nvGrpSpPr>
         <p:grpSpPr>
           <a:xfrm>
-            <a:off x="2226252" y="6599237"/>
+            <a:off x="2933700" y="6446837"/>
             <a:ext cx="1291478" cy="575162"/>
             <a:chOff x="3179250" y="6547958"/>
             <a:chExt cx="1663102" cy="575162"/>
@@ -8131,19 +6797,18 @@
         <p:nvCxnSpPr>
           <p:cNvPr id="182" name="Elbow Connector 181"/>
           <p:cNvCxnSpPr>
-            <a:endCxn id="171" idx="1"/>
+            <a:stCxn id="118" idx="2"/>
+            <a:endCxn id="169" idx="1"/>
           </p:cNvCxnSpPr>
           <p:nvPr/>
         </p:nvCxnSpPr>
         <p:spPr>
-          <a:xfrm flipV="1">
-            <a:off x="1104900" y="6244091"/>
-            <a:ext cx="1245734" cy="253648"/>
-          </a:xfrm>
-          <a:prstGeom prst="bentConnector3">
-            <a:avLst>
-              <a:gd name="adj1" fmla="val 50000"/>
-            </a:avLst>
+          <a:xfrm rot="16200000" flipH="1">
+            <a:off x="2962953" y="5473110"/>
+            <a:ext cx="126502" cy="1034192"/>
+          </a:xfrm>
+          <a:prstGeom prst="bentConnector2">
+            <a:avLst/>
           </a:prstGeom>
           <a:ln w="38100">
             <a:solidFill>
@@ -8172,19 +6837,18 @@
         <p:nvCxnSpPr>
           <p:cNvPr id="183" name="Elbow Connector 182"/>
           <p:cNvCxnSpPr>
-            <a:endCxn id="179" idx="1"/>
+            <a:stCxn id="118" idx="2"/>
+            <a:endCxn id="177" idx="1"/>
           </p:cNvCxnSpPr>
           <p:nvPr/>
         </p:nvCxnSpPr>
         <p:spPr>
-          <a:xfrm>
-            <a:off x="1104900" y="6497737"/>
-            <a:ext cx="1273752" cy="473166"/>
-          </a:xfrm>
-          <a:prstGeom prst="bentConnector3">
-            <a:avLst>
-              <a:gd name="adj1" fmla="val 50000"/>
-            </a:avLst>
+          <a:xfrm rot="16200000" flipH="1">
+            <a:off x="2353353" y="6082710"/>
+            <a:ext cx="812302" cy="500792"/>
+          </a:xfrm>
+          <a:prstGeom prst="bentConnector2">
+            <a:avLst/>
           </a:prstGeom>
           <a:ln w="38100">
             <a:solidFill>
@@ -8285,8 +6949,8 @@
           </a:prstGeom>
           <a:ln w="38100">
             <a:solidFill>
-              <a:schemeClr val="accent1">
-                <a:lumMod val="50000"/>
+              <a:schemeClr val="accent2">
+                <a:lumMod val="75000"/>
               </a:schemeClr>
             </a:solidFill>
             <a:prstDash val="sysDot"/>
@@ -8320,7 +6984,7 @@
         <p:spPr>
           <a:xfrm>
             <a:off x="1217031" y="2658955"/>
-            <a:ext cx="492992" cy="8456"/>
+            <a:ext cx="492992" cy="0"/>
           </a:xfrm>
           <a:prstGeom prst="bentConnector3">
             <a:avLst>
@@ -8329,8 +6993,8 @@
           </a:prstGeom>
           <a:ln w="38100">
             <a:solidFill>
-              <a:schemeClr val="accent1">
-                <a:lumMod val="50000"/>
+              <a:schemeClr val="accent2">
+                <a:lumMod val="75000"/>
               </a:schemeClr>
             </a:solidFill>
             <a:prstDash val="sysDot"/>
@@ -8356,22 +7020,24 @@
         <p:nvCxnSpPr>
           <p:cNvPr id="189" name="Elbow Connector 188"/>
           <p:cNvCxnSpPr>
-            <a:endCxn id="100" idx="1"/>
+            <a:endCxn id="108" idx="1"/>
           </p:cNvCxnSpPr>
           <p:nvPr/>
         </p:nvCxnSpPr>
         <p:spPr>
-          <a:xfrm rot="16200000" flipH="1">
-            <a:off x="1099084" y="3151841"/>
-            <a:ext cx="691714" cy="636915"/>
-          </a:xfrm>
-          <a:prstGeom prst="bentConnector2">
-            <a:avLst/>
+          <a:xfrm>
+            <a:off x="1028699" y="3094693"/>
+            <a:ext cx="834894" cy="608860"/>
+          </a:xfrm>
+          <a:prstGeom prst="bentConnector3">
+            <a:avLst>
+              <a:gd name="adj1" fmla="val 903"/>
+            </a:avLst>
           </a:prstGeom>
           <a:ln w="38100">
             <a:solidFill>
-              <a:schemeClr val="accent1">
-                <a:lumMod val="50000"/>
+              <a:schemeClr val="accent2">
+                <a:lumMod val="75000"/>
               </a:schemeClr>
             </a:solidFill>
             <a:prstDash val="sysDot"/>
@@ -8549,327 +7215,6 @@
           </a:p>
         </p:txBody>
       </p:sp>
-      <p:sp>
-        <p:nvSpPr>
-          <p:cNvPr id="193" name="TextBox 192"/>
-          <p:cNvSpPr txBox="1"/>
-          <p:nvPr/>
-        </p:nvSpPr>
-        <p:spPr>
-          <a:xfrm>
-            <a:off x="5714407" y="5860895"/>
-            <a:ext cx="1146280" cy="361773"/>
-          </a:xfrm>
-          <a:prstGeom prst="rect">
-            <a:avLst/>
-          </a:prstGeom>
-          <a:grpFill/>
-          <a:ln>
-            <a:noFill/>
-          </a:ln>
-        </p:spPr>
-        <p:style>
-          <a:lnRef idx="2">
-            <a:schemeClr val="accent1">
-              <a:shade val="50000"/>
-            </a:schemeClr>
-          </a:lnRef>
-          <a:fillRef idx="1">
-            <a:schemeClr val="accent1"/>
-          </a:fillRef>
-          <a:effectRef idx="0">
-            <a:schemeClr val="accent1"/>
-          </a:effectRef>
-          <a:fontRef idx="minor">
-            <a:schemeClr val="lt1"/>
-          </a:fontRef>
-        </p:style>
-        <p:txBody>
-          <a:bodyPr rtlCol="0" anchor="t" anchorCtr="0"/>
-          <a:lstStyle>
-            <a:defPPr>
-              <a:defRPr lang="en-US"/>
-            </a:defPPr>
-            <a:lvl1pPr>
-              <a:defRPr sz="1400" b="1">
-                <a:solidFill>
-                  <a:srgbClr val="7030A0"/>
-                </a:solidFill>
-              </a:defRPr>
-            </a:lvl1pPr>
-            <a:lvl2pPr>
-              <a:defRPr>
-                <a:solidFill>
-                  <a:schemeClr val="lt1"/>
-                </a:solidFill>
-              </a:defRPr>
-            </a:lvl2pPr>
-            <a:lvl3pPr>
-              <a:defRPr>
-                <a:solidFill>
-                  <a:schemeClr val="lt1"/>
-                </a:solidFill>
-              </a:defRPr>
-            </a:lvl3pPr>
-            <a:lvl4pPr>
-              <a:defRPr>
-                <a:solidFill>
-                  <a:schemeClr val="lt1"/>
-                </a:solidFill>
-              </a:defRPr>
-            </a:lvl4pPr>
-            <a:lvl5pPr>
-              <a:defRPr>
-                <a:solidFill>
-                  <a:schemeClr val="lt1"/>
-                </a:solidFill>
-              </a:defRPr>
-            </a:lvl5pPr>
-            <a:lvl6pPr>
-              <a:defRPr>
-                <a:solidFill>
-                  <a:schemeClr val="lt1"/>
-                </a:solidFill>
-              </a:defRPr>
-            </a:lvl6pPr>
-            <a:lvl7pPr>
-              <a:defRPr>
-                <a:solidFill>
-                  <a:schemeClr val="lt1"/>
-                </a:solidFill>
-              </a:defRPr>
-            </a:lvl7pPr>
-            <a:lvl8pPr>
-              <a:defRPr>
-                <a:solidFill>
-                  <a:schemeClr val="lt1"/>
-                </a:solidFill>
-              </a:defRPr>
-            </a:lvl8pPr>
-            <a:lvl9pPr>
-              <a:defRPr>
-                <a:solidFill>
-                  <a:schemeClr val="lt1"/>
-                </a:solidFill>
-              </a:defRPr>
-            </a:lvl9pPr>
-          </a:lstStyle>
-          <a:p>
-            <a:pPr algn="r"/>
-            <a:r>
-              <a:rPr lang="en-US" dirty="0" smtClean="0"/>
-              <a:t>&lt;&lt;uses&gt;&gt;</a:t>
-            </a:r>
-            <a:endParaRPr lang="en-SG" dirty="0"/>
-          </a:p>
-        </p:txBody>
-      </p:sp>
-      <p:sp>
-        <p:nvSpPr>
-          <p:cNvPr id="194" name="TextBox 193"/>
-          <p:cNvSpPr txBox="1"/>
-          <p:nvPr/>
-        </p:nvSpPr>
-        <p:spPr>
-          <a:xfrm>
-            <a:off x="4636463" y="6927332"/>
-            <a:ext cx="1146280" cy="361773"/>
-          </a:xfrm>
-          <a:prstGeom prst="rect">
-            <a:avLst/>
-          </a:prstGeom>
-          <a:grpFill/>
-          <a:ln>
-            <a:noFill/>
-          </a:ln>
-        </p:spPr>
-        <p:style>
-          <a:lnRef idx="2">
-            <a:schemeClr val="accent1">
-              <a:shade val="50000"/>
-            </a:schemeClr>
-          </a:lnRef>
-          <a:fillRef idx="1">
-            <a:schemeClr val="accent1"/>
-          </a:fillRef>
-          <a:effectRef idx="0">
-            <a:schemeClr val="accent1"/>
-          </a:effectRef>
-          <a:fontRef idx="minor">
-            <a:schemeClr val="lt1"/>
-          </a:fontRef>
-        </p:style>
-        <p:txBody>
-          <a:bodyPr rtlCol="0" anchor="t" anchorCtr="0"/>
-          <a:lstStyle>
-            <a:defPPr>
-              <a:defRPr lang="en-US"/>
-            </a:defPPr>
-            <a:lvl1pPr>
-              <a:defRPr sz="1400" b="1">
-                <a:solidFill>
-                  <a:srgbClr val="7030A0"/>
-                </a:solidFill>
-              </a:defRPr>
-            </a:lvl1pPr>
-            <a:lvl2pPr>
-              <a:defRPr>
-                <a:solidFill>
-                  <a:schemeClr val="lt1"/>
-                </a:solidFill>
-              </a:defRPr>
-            </a:lvl2pPr>
-            <a:lvl3pPr>
-              <a:defRPr>
-                <a:solidFill>
-                  <a:schemeClr val="lt1"/>
-                </a:solidFill>
-              </a:defRPr>
-            </a:lvl3pPr>
-            <a:lvl4pPr>
-              <a:defRPr>
-                <a:solidFill>
-                  <a:schemeClr val="lt1"/>
-                </a:solidFill>
-              </a:defRPr>
-            </a:lvl4pPr>
-            <a:lvl5pPr>
-              <a:defRPr>
-                <a:solidFill>
-                  <a:schemeClr val="lt1"/>
-                </a:solidFill>
-              </a:defRPr>
-            </a:lvl5pPr>
-            <a:lvl6pPr>
-              <a:defRPr>
-                <a:solidFill>
-                  <a:schemeClr val="lt1"/>
-                </a:solidFill>
-              </a:defRPr>
-            </a:lvl6pPr>
-            <a:lvl7pPr>
-              <a:defRPr>
-                <a:solidFill>
-                  <a:schemeClr val="lt1"/>
-                </a:solidFill>
-              </a:defRPr>
-            </a:lvl7pPr>
-            <a:lvl8pPr>
-              <a:defRPr>
-                <a:solidFill>
-                  <a:schemeClr val="lt1"/>
-                </a:solidFill>
-              </a:defRPr>
-            </a:lvl8pPr>
-            <a:lvl9pPr>
-              <a:defRPr>
-                <a:solidFill>
-                  <a:schemeClr val="lt1"/>
-                </a:solidFill>
-              </a:defRPr>
-            </a:lvl9pPr>
-          </a:lstStyle>
-          <a:p>
-            <a:pPr algn="r"/>
-            <a:r>
-              <a:rPr lang="en-US" dirty="0" smtClean="0"/>
-              <a:t>&lt;&lt;uses&gt;&gt;</a:t>
-            </a:r>
-            <a:endParaRPr lang="en-SG" dirty="0"/>
-          </a:p>
-        </p:txBody>
-      </p:sp>
-      <p:sp>
-        <p:nvSpPr>
-          <p:cNvPr id="195" name="Diamond 194"/>
-          <p:cNvSpPr/>
-          <p:nvPr/>
-        </p:nvSpPr>
-        <p:spPr>
-          <a:xfrm>
-            <a:off x="4736839" y="4692558"/>
-            <a:ext cx="216000" cy="216000"/>
-          </a:xfrm>
-          <a:prstGeom prst="diamond">
-            <a:avLst/>
-          </a:prstGeom>
-          <a:solidFill>
-            <a:srgbClr val="92D050"/>
-          </a:solidFill>
-          <a:ln>
-            <a:solidFill>
-              <a:srgbClr val="00B050"/>
-            </a:solidFill>
-          </a:ln>
-        </p:spPr>
-        <p:style>
-          <a:lnRef idx="2">
-            <a:schemeClr val="accent6">
-              <a:shade val="50000"/>
-            </a:schemeClr>
-          </a:lnRef>
-          <a:fillRef idx="1">
-            <a:schemeClr val="accent6"/>
-          </a:fillRef>
-          <a:effectRef idx="0">
-            <a:schemeClr val="accent6"/>
-          </a:effectRef>
-          <a:fontRef idx="minor">
-            <a:schemeClr val="lt1"/>
-          </a:fontRef>
-        </p:style>
-        <p:txBody>
-          <a:bodyPr rtlCol="0" anchor="ctr"/>
-          <a:lstStyle/>
-          <a:p>
-            <a:pPr algn="ctr"/>
-            <a:endParaRPr lang="en-SG" sz="1600" b="1"/>
-          </a:p>
-        </p:txBody>
-      </p:sp>
-      <p:cxnSp>
-        <p:nvCxnSpPr>
-          <p:cNvPr id="196" name="Elbow Connector 195"/>
-          <p:cNvCxnSpPr>
-            <a:stCxn id="195" idx="3"/>
-            <a:endCxn id="131" idx="0"/>
-          </p:cNvCxnSpPr>
-          <p:nvPr/>
-        </p:nvCxnSpPr>
-        <p:spPr>
-          <a:xfrm>
-            <a:off x="4952839" y="4800558"/>
-            <a:ext cx="2665968" cy="655679"/>
-          </a:xfrm>
-          <a:prstGeom prst="bentConnector2">
-            <a:avLst/>
-          </a:prstGeom>
-          <a:solidFill>
-            <a:srgbClr val="92D050"/>
-          </a:solidFill>
-          <a:ln>
-            <a:solidFill>
-              <a:srgbClr val="00B050"/>
-            </a:solidFill>
-          </a:ln>
-        </p:spPr>
-        <p:style>
-          <a:lnRef idx="2">
-            <a:schemeClr val="accent6">
-              <a:shade val="50000"/>
-            </a:schemeClr>
-          </a:lnRef>
-          <a:fillRef idx="1">
-            <a:schemeClr val="accent6"/>
-          </a:fillRef>
-          <a:effectRef idx="0">
-            <a:schemeClr val="accent6"/>
-          </a:effectRef>
-          <a:fontRef idx="minor">
-            <a:schemeClr val="lt1"/>
-          </a:fontRef>
-        </p:style>
-      </p:cxnSp>
       <p:grpSp>
         <p:nvGrpSpPr>
           <p:cNvPr id="197" name="Group 196"/>
@@ -8878,11 +7223,14 @@
         </p:nvGrpSpPr>
         <p:grpSpPr>
           <a:xfrm>
-            <a:off x="1790700" y="4303659"/>
-            <a:ext cx="1551301" cy="531646"/>
+            <a:off x="2160302" y="4133119"/>
+            <a:ext cx="1566582" cy="528376"/>
             <a:chOff x="1535112" y="3948357"/>
-            <a:chExt cx="1551301" cy="531646"/>
-          </a:xfrm>
+            <a:chExt cx="1566582" cy="528376"/>
+          </a:xfrm>
+          <a:solidFill>
+            <a:schemeClr val="accent6"/>
+          </a:solidFill>
         </p:grpSpPr>
         <p:sp>
           <p:nvSpPr>
@@ -8898,6 +7246,7 @@
             <a:prstGeom prst="rect">
               <a:avLst/>
             </a:prstGeom>
+            <a:ln/>
           </p:spPr>
           <p:style>
             <a:lnRef idx="2">
@@ -8938,6 +7287,7 @@
             <a:prstGeom prst="rect">
               <a:avLst/>
             </a:prstGeom>
+            <a:ln/>
           </p:spPr>
           <p:style>
             <a:lnRef idx="2">
@@ -8972,12 +7322,13 @@
           </p:nvSpPr>
           <p:spPr>
             <a:xfrm>
-              <a:off x="1687510" y="4102565"/>
+              <a:off x="1702791" y="4099295"/>
               <a:ext cx="1398903" cy="377438"/>
             </a:xfrm>
             <a:prstGeom prst="rect">
               <a:avLst/>
             </a:prstGeom>
+            <a:ln/>
           </p:spPr>
           <p:style>
             <a:lnRef idx="2">
@@ -9226,6 +7577,729 @@
           <a:p>
             <a:pPr algn="ctr"/>
             <a:endParaRPr lang="en-SG"/>
+          </a:p>
+        </p:txBody>
+      </p:sp>
+      <p:sp>
+        <p:nvSpPr>
+          <p:cNvPr id="108" name="Rectangle 107"/>
+          <p:cNvSpPr/>
+          <p:nvPr/>
+        </p:nvSpPr>
+        <p:spPr>
+          <a:xfrm>
+            <a:off x="1863593" y="3523553"/>
+            <a:ext cx="2160000" cy="360000"/>
+          </a:xfrm>
+          <a:prstGeom prst="rect">
+            <a:avLst/>
+          </a:prstGeom>
+          <a:ln/>
+        </p:spPr>
+        <p:style>
+          <a:lnRef idx="2">
+            <a:schemeClr val="accent1">
+              <a:shade val="50000"/>
+            </a:schemeClr>
+          </a:lnRef>
+          <a:fillRef idx="1">
+            <a:schemeClr val="accent1"/>
+          </a:fillRef>
+          <a:effectRef idx="0">
+            <a:schemeClr val="accent1"/>
+          </a:effectRef>
+          <a:fontRef idx="minor">
+            <a:schemeClr val="lt1"/>
+          </a:fontRef>
+        </p:style>
+        <p:txBody>
+          <a:bodyPr rtlCol="0" anchor="ctr"/>
+          <a:lstStyle/>
+          <a:p>
+            <a:pPr algn="ctr"/>
+            <a:r>
+              <a:rPr lang="en-US" sz="1600" b="1" dirty="0" err="1" smtClean="0"/>
+              <a:t>WebPageServlet</a:t>
+            </a:r>
+            <a:endParaRPr lang="en-SG" sz="1600" b="1" dirty="0"/>
+          </a:p>
+        </p:txBody>
+      </p:sp>
+      <p:sp>
+        <p:nvSpPr>
+          <p:cNvPr id="118" name="Folded Corner 117"/>
+          <p:cNvSpPr/>
+          <p:nvPr/>
+        </p:nvSpPr>
+        <p:spPr>
+          <a:xfrm>
+            <a:off x="1797526" y="5519962"/>
+            <a:ext cx="1423164" cy="406993"/>
+          </a:xfrm>
+          <a:prstGeom prst="foldedCorner">
+            <a:avLst/>
+          </a:prstGeom>
+        </p:spPr>
+        <p:style>
+          <a:lnRef idx="2">
+            <a:schemeClr val="accent5">
+              <a:shade val="50000"/>
+            </a:schemeClr>
+          </a:lnRef>
+          <a:fillRef idx="1">
+            <a:schemeClr val="accent5"/>
+          </a:fillRef>
+          <a:effectRef idx="0">
+            <a:schemeClr val="accent5"/>
+          </a:effectRef>
+          <a:fontRef idx="minor">
+            <a:schemeClr val="lt1"/>
+          </a:fontRef>
+        </p:style>
+        <p:txBody>
+          <a:bodyPr rtlCol="0" anchor="ctr"/>
+          <a:lstStyle/>
+          <a:p>
+            <a:pPr algn="ctr"/>
+            <a:r>
+              <a:rPr lang="en-US" sz="1600" b="1" dirty="0" smtClean="0"/>
+              <a:t>index.html</a:t>
+            </a:r>
+            <a:endParaRPr lang="en-SG" sz="1600" b="1" dirty="0"/>
+          </a:p>
+        </p:txBody>
+      </p:sp>
+      <p:cxnSp>
+        <p:nvCxnSpPr>
+          <p:cNvPr id="119" name="Elbow Connector 118"/>
+          <p:cNvCxnSpPr>
+            <a:stCxn id="162" idx="3"/>
+            <a:endCxn id="118" idx="1"/>
+          </p:cNvCxnSpPr>
+          <p:nvPr/>
+        </p:nvCxnSpPr>
+        <p:spPr>
+          <a:xfrm flipV="1">
+            <a:off x="1218607" y="5723459"/>
+            <a:ext cx="578919" cy="445962"/>
+          </a:xfrm>
+          <a:prstGeom prst="bentConnector3">
+            <a:avLst>
+              <a:gd name="adj1" fmla="val 36384"/>
+            </a:avLst>
+          </a:prstGeom>
+          <a:ln w="38100">
+            <a:solidFill>
+              <a:schemeClr val="tx1"/>
+            </a:solidFill>
+            <a:prstDash val="sysDash"/>
+            <a:tailEnd type="arrow"/>
+          </a:ln>
+        </p:spPr>
+        <p:style>
+          <a:lnRef idx="1">
+            <a:schemeClr val="accent1"/>
+          </a:lnRef>
+          <a:fillRef idx="0">
+            <a:schemeClr val="accent1"/>
+          </a:fillRef>
+          <a:effectRef idx="0">
+            <a:schemeClr val="accent1"/>
+          </a:effectRef>
+          <a:fontRef idx="minor">
+            <a:schemeClr val="tx1"/>
+          </a:fontRef>
+        </p:style>
+      </p:cxnSp>
+      <p:grpSp>
+        <p:nvGrpSpPr>
+          <p:cNvPr id="120" name="Group 119"/>
+          <p:cNvGrpSpPr/>
+          <p:nvPr/>
+        </p:nvGrpSpPr>
+        <p:grpSpPr>
+          <a:xfrm>
+            <a:off x="7814935" y="5795475"/>
+            <a:ext cx="1291478" cy="575162"/>
+            <a:chOff x="3179250" y="6547958"/>
+            <a:chExt cx="1663102" cy="575162"/>
+          </a:xfrm>
+        </p:grpSpPr>
+        <p:sp>
+          <p:nvSpPr>
+            <p:cNvPr id="122" name="Folded Corner 121"/>
+            <p:cNvSpPr/>
+            <p:nvPr/>
+          </p:nvSpPr>
+          <p:spPr>
+            <a:xfrm>
+              <a:off x="3179250" y="6547958"/>
+              <a:ext cx="1466849" cy="406993"/>
+            </a:xfrm>
+            <a:prstGeom prst="foldedCorner">
+              <a:avLst/>
+            </a:prstGeom>
+          </p:spPr>
+          <p:style>
+            <a:lnRef idx="2">
+              <a:schemeClr val="accent5">
+                <a:shade val="50000"/>
+              </a:schemeClr>
+            </a:lnRef>
+            <a:fillRef idx="1">
+              <a:schemeClr val="accent5"/>
+            </a:fillRef>
+            <a:effectRef idx="0">
+              <a:schemeClr val="accent5"/>
+            </a:effectRef>
+            <a:fontRef idx="minor">
+              <a:schemeClr val="lt1"/>
+            </a:fontRef>
+          </p:style>
+          <p:txBody>
+            <a:bodyPr rtlCol="0" anchor="ctr"/>
+            <a:lstStyle/>
+            <a:p>
+              <a:pPr algn="ctr"/>
+              <a:endParaRPr lang="en-SG" sz="1600" b="1" dirty="0"/>
+            </a:p>
+          </p:txBody>
+        </p:sp>
+        <p:sp>
+          <p:nvSpPr>
+            <p:cNvPr id="123" name="Folded Corner 122"/>
+            <p:cNvSpPr/>
+            <p:nvPr/>
+          </p:nvSpPr>
+          <p:spPr>
+            <a:xfrm>
+              <a:off x="3277376" y="6636881"/>
+              <a:ext cx="1466849" cy="406993"/>
+            </a:xfrm>
+            <a:prstGeom prst="foldedCorner">
+              <a:avLst/>
+            </a:prstGeom>
+          </p:spPr>
+          <p:style>
+            <a:lnRef idx="2">
+              <a:schemeClr val="accent5">
+                <a:shade val="50000"/>
+              </a:schemeClr>
+            </a:lnRef>
+            <a:fillRef idx="1">
+              <a:schemeClr val="accent5"/>
+            </a:fillRef>
+            <a:effectRef idx="0">
+              <a:schemeClr val="accent5"/>
+            </a:effectRef>
+            <a:fontRef idx="minor">
+              <a:schemeClr val="lt1"/>
+            </a:fontRef>
+          </p:style>
+          <p:txBody>
+            <a:bodyPr rtlCol="0" anchor="ctr"/>
+            <a:lstStyle/>
+            <a:p>
+              <a:pPr algn="ctr"/>
+              <a:endParaRPr lang="en-SG" sz="1600" b="1" dirty="0"/>
+            </a:p>
+          </p:txBody>
+        </p:sp>
+        <p:sp>
+          <p:nvSpPr>
+            <p:cNvPr id="124" name="Folded Corner 123"/>
+            <p:cNvSpPr/>
+            <p:nvPr/>
+          </p:nvSpPr>
+          <p:spPr>
+            <a:xfrm>
+              <a:off x="3375503" y="6716127"/>
+              <a:ext cx="1466849" cy="406993"/>
+            </a:xfrm>
+            <a:prstGeom prst="foldedCorner">
+              <a:avLst/>
+            </a:prstGeom>
+          </p:spPr>
+          <p:style>
+            <a:lnRef idx="2">
+              <a:schemeClr val="accent5">
+                <a:shade val="50000"/>
+              </a:schemeClr>
+            </a:lnRef>
+            <a:fillRef idx="1">
+              <a:schemeClr val="accent5"/>
+            </a:fillRef>
+            <a:effectRef idx="0">
+              <a:schemeClr val="accent5"/>
+            </a:effectRef>
+            <a:fontRef idx="minor">
+              <a:schemeClr val="lt1"/>
+            </a:fontRef>
+          </p:style>
+          <p:txBody>
+            <a:bodyPr rtlCol="0" anchor="ctr"/>
+            <a:lstStyle/>
+            <a:p>
+              <a:pPr algn="ctr"/>
+              <a:r>
+                <a:rPr lang="en-US" sz="1600" b="1" dirty="0" smtClean="0"/>
+                <a:t>*.</a:t>
+              </a:r>
+              <a:r>
+                <a:rPr lang="en-US" sz="1600" b="1" dirty="0" err="1" smtClean="0"/>
+                <a:t>scss</a:t>
+              </a:r>
+              <a:endParaRPr lang="en-SG" sz="1600" b="1" dirty="0"/>
+            </a:p>
+          </p:txBody>
+        </p:sp>
+      </p:grpSp>
+      <p:grpSp>
+        <p:nvGrpSpPr>
+          <p:cNvPr id="136" name="Group 135"/>
+          <p:cNvGrpSpPr/>
+          <p:nvPr/>
+        </p:nvGrpSpPr>
+        <p:grpSpPr>
+          <a:xfrm>
+            <a:off x="6975363" y="6481275"/>
+            <a:ext cx="1291478" cy="575162"/>
+            <a:chOff x="3179250" y="6547958"/>
+            <a:chExt cx="1663102" cy="575162"/>
+          </a:xfrm>
+        </p:grpSpPr>
+        <p:sp>
+          <p:nvSpPr>
+            <p:cNvPr id="137" name="Folded Corner 136"/>
+            <p:cNvSpPr/>
+            <p:nvPr/>
+          </p:nvSpPr>
+          <p:spPr>
+            <a:xfrm>
+              <a:off x="3179250" y="6547958"/>
+              <a:ext cx="1466849" cy="406993"/>
+            </a:xfrm>
+            <a:prstGeom prst="foldedCorner">
+              <a:avLst/>
+            </a:prstGeom>
+          </p:spPr>
+          <p:style>
+            <a:lnRef idx="2">
+              <a:schemeClr val="accent5">
+                <a:shade val="50000"/>
+              </a:schemeClr>
+            </a:lnRef>
+            <a:fillRef idx="1">
+              <a:schemeClr val="accent5"/>
+            </a:fillRef>
+            <a:effectRef idx="0">
+              <a:schemeClr val="accent5"/>
+            </a:effectRef>
+            <a:fontRef idx="minor">
+              <a:schemeClr val="lt1"/>
+            </a:fontRef>
+          </p:style>
+          <p:txBody>
+            <a:bodyPr rtlCol="0" anchor="ctr"/>
+            <a:lstStyle/>
+            <a:p>
+              <a:pPr algn="ctr"/>
+              <a:endParaRPr lang="en-SG" sz="1600" b="1" dirty="0"/>
+            </a:p>
+          </p:txBody>
+        </p:sp>
+        <p:sp>
+          <p:nvSpPr>
+            <p:cNvPr id="138" name="Folded Corner 137"/>
+            <p:cNvSpPr/>
+            <p:nvPr/>
+          </p:nvSpPr>
+          <p:spPr>
+            <a:xfrm>
+              <a:off x="3277376" y="6636881"/>
+              <a:ext cx="1466849" cy="406993"/>
+            </a:xfrm>
+            <a:prstGeom prst="foldedCorner">
+              <a:avLst/>
+            </a:prstGeom>
+          </p:spPr>
+          <p:style>
+            <a:lnRef idx="2">
+              <a:schemeClr val="accent5">
+                <a:shade val="50000"/>
+              </a:schemeClr>
+            </a:lnRef>
+            <a:fillRef idx="1">
+              <a:schemeClr val="accent5"/>
+            </a:fillRef>
+            <a:effectRef idx="0">
+              <a:schemeClr val="accent5"/>
+            </a:effectRef>
+            <a:fontRef idx="minor">
+              <a:schemeClr val="lt1"/>
+            </a:fontRef>
+          </p:style>
+          <p:txBody>
+            <a:bodyPr rtlCol="0" anchor="ctr"/>
+            <a:lstStyle/>
+            <a:p>
+              <a:pPr algn="ctr"/>
+              <a:endParaRPr lang="en-SG" sz="1600" b="1" dirty="0"/>
+            </a:p>
+          </p:txBody>
+        </p:sp>
+        <p:sp>
+          <p:nvSpPr>
+            <p:cNvPr id="139" name="Folded Corner 138"/>
+            <p:cNvSpPr/>
+            <p:nvPr/>
+          </p:nvSpPr>
+          <p:spPr>
+            <a:xfrm>
+              <a:off x="3375503" y="6716127"/>
+              <a:ext cx="1466849" cy="406993"/>
+            </a:xfrm>
+            <a:prstGeom prst="foldedCorner">
+              <a:avLst/>
+            </a:prstGeom>
+          </p:spPr>
+          <p:style>
+            <a:lnRef idx="2">
+              <a:schemeClr val="accent5">
+                <a:shade val="50000"/>
+              </a:schemeClr>
+            </a:lnRef>
+            <a:fillRef idx="1">
+              <a:schemeClr val="accent5"/>
+            </a:fillRef>
+            <a:effectRef idx="0">
+              <a:schemeClr val="accent5"/>
+            </a:effectRef>
+            <a:fontRef idx="minor">
+              <a:schemeClr val="lt1"/>
+            </a:fontRef>
+          </p:style>
+          <p:txBody>
+            <a:bodyPr rtlCol="0" anchor="ctr"/>
+            <a:lstStyle/>
+            <a:p>
+              <a:pPr algn="ctr"/>
+              <a:r>
+                <a:rPr lang="en-US" sz="1600" b="1" dirty="0" smtClean="0"/>
+                <a:t>*.</a:t>
+              </a:r>
+              <a:r>
+                <a:rPr lang="en-US" sz="1600" b="1" dirty="0" err="1"/>
+                <a:t>t</a:t>
+              </a:r>
+              <a:r>
+                <a:rPr lang="en-US" sz="1600" b="1" dirty="0" err="1" smtClean="0"/>
+                <a:t>s</a:t>
+              </a:r>
+              <a:endParaRPr lang="en-SG" sz="1600" b="1" dirty="0"/>
+            </a:p>
+          </p:txBody>
+        </p:sp>
+      </p:grpSp>
+      <p:grpSp>
+        <p:nvGrpSpPr>
+          <p:cNvPr id="140" name="Group 139"/>
+          <p:cNvGrpSpPr/>
+          <p:nvPr/>
+        </p:nvGrpSpPr>
+        <p:grpSpPr>
+          <a:xfrm>
+            <a:off x="6214222" y="5795475"/>
+            <a:ext cx="1291478" cy="575162"/>
+            <a:chOff x="3179250" y="6547958"/>
+            <a:chExt cx="1663102" cy="575162"/>
+          </a:xfrm>
+        </p:grpSpPr>
+        <p:sp>
+          <p:nvSpPr>
+            <p:cNvPr id="142" name="Folded Corner 141"/>
+            <p:cNvSpPr/>
+            <p:nvPr/>
+          </p:nvSpPr>
+          <p:spPr>
+            <a:xfrm>
+              <a:off x="3179250" y="6547958"/>
+              <a:ext cx="1466849" cy="406993"/>
+            </a:xfrm>
+            <a:prstGeom prst="foldedCorner">
+              <a:avLst/>
+            </a:prstGeom>
+          </p:spPr>
+          <p:style>
+            <a:lnRef idx="2">
+              <a:schemeClr val="accent5">
+                <a:shade val="50000"/>
+              </a:schemeClr>
+            </a:lnRef>
+            <a:fillRef idx="1">
+              <a:schemeClr val="accent5"/>
+            </a:fillRef>
+            <a:effectRef idx="0">
+              <a:schemeClr val="accent5"/>
+            </a:effectRef>
+            <a:fontRef idx="minor">
+              <a:schemeClr val="lt1"/>
+            </a:fontRef>
+          </p:style>
+          <p:txBody>
+            <a:bodyPr rtlCol="0" anchor="ctr"/>
+            <a:lstStyle/>
+            <a:p>
+              <a:pPr algn="ctr"/>
+              <a:endParaRPr lang="en-SG" sz="1600" b="1" dirty="0"/>
+            </a:p>
+          </p:txBody>
+        </p:sp>
+        <p:sp>
+          <p:nvSpPr>
+            <p:cNvPr id="144" name="Folded Corner 143"/>
+            <p:cNvSpPr/>
+            <p:nvPr/>
+          </p:nvSpPr>
+          <p:spPr>
+            <a:xfrm>
+              <a:off x="3277376" y="6636881"/>
+              <a:ext cx="1466849" cy="406993"/>
+            </a:xfrm>
+            <a:prstGeom prst="foldedCorner">
+              <a:avLst/>
+            </a:prstGeom>
+          </p:spPr>
+          <p:style>
+            <a:lnRef idx="2">
+              <a:schemeClr val="accent5">
+                <a:shade val="50000"/>
+              </a:schemeClr>
+            </a:lnRef>
+            <a:fillRef idx="1">
+              <a:schemeClr val="accent5"/>
+            </a:fillRef>
+            <a:effectRef idx="0">
+              <a:schemeClr val="accent5"/>
+            </a:effectRef>
+            <a:fontRef idx="minor">
+              <a:schemeClr val="lt1"/>
+            </a:fontRef>
+          </p:style>
+          <p:txBody>
+            <a:bodyPr rtlCol="0" anchor="ctr"/>
+            <a:lstStyle/>
+            <a:p>
+              <a:pPr algn="ctr"/>
+              <a:endParaRPr lang="en-SG" sz="1600" b="1" dirty="0"/>
+            </a:p>
+          </p:txBody>
+        </p:sp>
+        <p:sp>
+          <p:nvSpPr>
+            <p:cNvPr id="146" name="Folded Corner 145"/>
+            <p:cNvSpPr/>
+            <p:nvPr/>
+          </p:nvSpPr>
+          <p:spPr>
+            <a:xfrm>
+              <a:off x="3375503" y="6716127"/>
+              <a:ext cx="1466849" cy="406993"/>
+            </a:xfrm>
+            <a:prstGeom prst="foldedCorner">
+              <a:avLst/>
+            </a:prstGeom>
+          </p:spPr>
+          <p:style>
+            <a:lnRef idx="2">
+              <a:schemeClr val="accent5">
+                <a:shade val="50000"/>
+              </a:schemeClr>
+            </a:lnRef>
+            <a:fillRef idx="1">
+              <a:schemeClr val="accent5"/>
+            </a:fillRef>
+            <a:effectRef idx="0">
+              <a:schemeClr val="accent5"/>
+            </a:effectRef>
+            <a:fontRef idx="minor">
+              <a:schemeClr val="lt1"/>
+            </a:fontRef>
+          </p:style>
+          <p:txBody>
+            <a:bodyPr rtlCol="0" anchor="ctr"/>
+            <a:lstStyle/>
+            <a:p>
+              <a:pPr algn="ctr"/>
+              <a:r>
+                <a:rPr lang="en-US" sz="1600" b="1" dirty="0" smtClean="0"/>
+                <a:t>*.html</a:t>
+              </a:r>
+              <a:endParaRPr lang="en-SG" sz="1600" b="1" dirty="0"/>
+            </a:p>
+          </p:txBody>
+        </p:sp>
+      </p:grpSp>
+      <p:sp>
+        <p:nvSpPr>
+          <p:cNvPr id="14" name="Rectangle 13"/>
+          <p:cNvSpPr/>
+          <p:nvPr/>
+        </p:nvSpPr>
+        <p:spPr>
+          <a:xfrm>
+            <a:off x="1605962" y="5402473"/>
+            <a:ext cx="3336240" cy="1725429"/>
+          </a:xfrm>
+          <a:prstGeom prst="rect">
+            <a:avLst/>
+          </a:prstGeom>
+          <a:noFill/>
+          <a:ln>
+            <a:solidFill>
+              <a:schemeClr val="tx1"/>
+            </a:solidFill>
+            <a:prstDash val="sysDot"/>
+          </a:ln>
+        </p:spPr>
+        <p:style>
+          <a:lnRef idx="2">
+            <a:schemeClr val="accent1">
+              <a:shade val="50000"/>
+            </a:schemeClr>
+          </a:lnRef>
+          <a:fillRef idx="1">
+            <a:schemeClr val="accent1"/>
+          </a:fillRef>
+          <a:effectRef idx="0">
+            <a:schemeClr val="accent1"/>
+          </a:effectRef>
+          <a:fontRef idx="minor">
+            <a:schemeClr val="lt1"/>
+          </a:fontRef>
+        </p:style>
+        <p:txBody>
+          <a:bodyPr rtlCol="0" anchor="ctr"/>
+          <a:lstStyle/>
+          <a:p>
+            <a:pPr algn="ctr"/>
+            <a:endParaRPr lang="en-AU"/>
+          </a:p>
+        </p:txBody>
+      </p:sp>
+      <p:sp>
+        <p:nvSpPr>
+          <p:cNvPr id="147" name="Rectangle 146"/>
+          <p:cNvSpPr/>
+          <p:nvPr/>
+        </p:nvSpPr>
+        <p:spPr>
+          <a:xfrm>
+            <a:off x="6095919" y="5677781"/>
+            <a:ext cx="3162381" cy="1509624"/>
+          </a:xfrm>
+          <a:prstGeom prst="rect">
+            <a:avLst/>
+          </a:prstGeom>
+          <a:noFill/>
+          <a:ln>
+            <a:solidFill>
+              <a:schemeClr val="tx1"/>
+            </a:solidFill>
+            <a:prstDash val="sysDot"/>
+          </a:ln>
+        </p:spPr>
+        <p:style>
+          <a:lnRef idx="2">
+            <a:schemeClr val="accent1">
+              <a:shade val="50000"/>
+            </a:schemeClr>
+          </a:lnRef>
+          <a:fillRef idx="1">
+            <a:schemeClr val="accent1"/>
+          </a:fillRef>
+          <a:effectRef idx="0">
+            <a:schemeClr val="accent1"/>
+          </a:effectRef>
+          <a:fontRef idx="minor">
+            <a:schemeClr val="lt1"/>
+          </a:fontRef>
+        </p:style>
+        <p:txBody>
+          <a:bodyPr rtlCol="0" anchor="ctr"/>
+          <a:lstStyle/>
+          <a:p>
+            <a:pPr algn="ctr"/>
+            <a:endParaRPr lang="en-AU"/>
+          </a:p>
+        </p:txBody>
+      </p:sp>
+      <p:sp>
+        <p:nvSpPr>
+          <p:cNvPr id="149" name="TextBox 148"/>
+          <p:cNvSpPr txBox="1"/>
+          <p:nvPr/>
+        </p:nvSpPr>
+        <p:spPr>
+          <a:xfrm>
+            <a:off x="4942202" y="6111298"/>
+            <a:ext cx="1153718" cy="259339"/>
+          </a:xfrm>
+          <a:prstGeom prst="rect">
+            <a:avLst/>
+          </a:prstGeom>
+          <a:grpFill/>
+          <a:ln>
+            <a:noFill/>
+          </a:ln>
+        </p:spPr>
+        <p:style>
+          <a:lnRef idx="2">
+            <a:schemeClr val="accent1">
+              <a:shade val="50000"/>
+            </a:schemeClr>
+          </a:lnRef>
+          <a:fillRef idx="1">
+            <a:schemeClr val="accent1"/>
+          </a:fillRef>
+          <a:effectRef idx="0">
+            <a:schemeClr val="accent1"/>
+          </a:effectRef>
+          <a:fontRef idx="minor">
+            <a:schemeClr val="lt1"/>
+          </a:fontRef>
+        </p:style>
+        <p:txBody>
+          <a:bodyPr rtlCol="0" anchor="t" anchorCtr="0"/>
+          <a:lstStyle>
+            <a:defPPr>
+              <a:defRPr lang="en-US"/>
+            </a:defPPr>
+            <a:lvl1pPr algn="r">
+              <a:defRPr sz="1400" b="1">
+                <a:solidFill>
+                  <a:schemeClr val="accent2">
+                    <a:lumMod val="75000"/>
+                  </a:schemeClr>
+                </a:solidFill>
+              </a:defRPr>
+            </a:lvl1pPr>
+          </a:lstStyle>
+          <a:p>
+            <a:pPr algn="ctr"/>
+            <a:r>
+              <a:rPr lang="en-US" dirty="0" smtClean="0">
+                <a:solidFill>
+                  <a:schemeClr val="tx1"/>
+                </a:solidFill>
+              </a:rPr>
+              <a:t>built from</a:t>
+            </a:r>
+            <a:endParaRPr lang="en-SG" dirty="0">
+              <a:solidFill>
+                <a:schemeClr val="tx1"/>
+              </a:solidFill>
+            </a:endParaRPr>
           </a:p>
         </p:txBody>
       </p:sp>
